--- a/這是耶和華所定日子(崇拜版).pptx
+++ b/這是耶和華所定日子(崇拜版).pptx
@@ -9,7 +9,7 @@
     <p:sldId id="257" r:id="rId3"/>
     <p:sldId id="258" r:id="rId4"/>
   </p:sldIdLst>
-  <p:sldSz cx="9144000" cy="6858000" type="screen4x3"/>
+  <p:sldSz cx="12192000" cy="6858000"/>
   <p:notesSz cx="6858000" cy="9144000"/>
   <p:defaultTextStyle>
     <a:defPPr>
@@ -106,6 +106,22 @@
       </a:defRPr>
     </a:lvl9pPr>
   </p:defaultTextStyle>
+  <p:extLst>
+    <p:ext uri="{EFAFB233-063F-42B5-8137-9DF3F51BA10A}">
+      <p15:sldGuideLst xmlns:p15="http://schemas.microsoft.com/office/powerpoint/2012/main">
+        <p15:guide id="1" orient="horz" pos="2160" userDrawn="1">
+          <p15:clr>
+            <a:srgbClr val="A4A3A4"/>
+          </p15:clr>
+        </p15:guide>
+        <p15:guide id="2" pos="3840" userDrawn="1">
+          <p15:clr>
+            <a:srgbClr val="A4A3A4"/>
+          </p15:clr>
+        </p15:guide>
+      </p15:sldGuideLst>
+    </p:ext>
+  </p:extLst>
 </p:presentation>
 </file>
 
@@ -138,8 +154,8 @@
         </p:nvSpPr>
         <p:spPr>
           <a:xfrm>
-            <a:off x="685800" y="2130425"/>
-            <a:ext cx="7772400" cy="1470025"/>
+            <a:off x="914400" y="2130426"/>
+            <a:ext cx="10363200" cy="1470025"/>
           </a:xfrm>
         </p:spPr>
         <p:txBody>
@@ -166,8 +182,8 @@
         </p:nvSpPr>
         <p:spPr>
           <a:xfrm>
-            <a:off x="1371600" y="3886200"/>
-            <a:ext cx="6400800" cy="1752600"/>
+            <a:off x="1828800" y="3886200"/>
+            <a:ext cx="8534400" cy="1752600"/>
           </a:xfrm>
         </p:spPr>
         <p:txBody>
@@ -290,7 +306,7 @@
           <a:p>
             <a:fld id="{A3BB3220-857D-4A62-B48C-0094D705FBD3}" type="datetimeFigureOut">
               <a:rPr lang="zh-TW" altLang="en-US" smtClean="0"/>
-              <a:t>2018/1/13</a:t>
+              <a:t>2020/1/18</a:t>
             </a:fld>
             <a:endParaRPr lang="zh-TW" altLang="en-US"/>
           </a:p>
@@ -455,7 +471,7 @@
           <a:p>
             <a:fld id="{A3BB3220-857D-4A62-B48C-0094D705FBD3}" type="datetimeFigureOut">
               <a:rPr lang="zh-TW" altLang="en-US" smtClean="0"/>
-              <a:t>2018/1/13</a:t>
+              <a:t>2020/1/18</a:t>
             </a:fld>
             <a:endParaRPr lang="zh-TW" altLang="en-US"/>
           </a:p>
@@ -540,8 +556,8 @@
         </p:nvSpPr>
         <p:spPr>
           <a:xfrm>
-            <a:off x="6629400" y="274638"/>
-            <a:ext cx="2057400" cy="5851525"/>
+            <a:off x="8839200" y="274639"/>
+            <a:ext cx="2743200" cy="5851525"/>
           </a:xfrm>
         </p:spPr>
         <p:txBody>
@@ -568,8 +584,8 @@
         </p:nvSpPr>
         <p:spPr>
           <a:xfrm>
-            <a:off x="457200" y="274638"/>
-            <a:ext cx="6019800" cy="5851525"/>
+            <a:off x="609600" y="274639"/>
+            <a:ext cx="8026400" cy="5851525"/>
           </a:xfrm>
         </p:spPr>
         <p:txBody>
@@ -630,7 +646,7 @@
           <a:p>
             <a:fld id="{A3BB3220-857D-4A62-B48C-0094D705FBD3}" type="datetimeFigureOut">
               <a:rPr lang="zh-TW" altLang="en-US" smtClean="0"/>
-              <a:t>2018/1/13</a:t>
+              <a:t>2020/1/18</a:t>
             </a:fld>
             <a:endParaRPr lang="zh-TW" altLang="en-US"/>
           </a:p>
@@ -795,7 +811,7 @@
           <a:p>
             <a:fld id="{A3BB3220-857D-4A62-B48C-0094D705FBD3}" type="datetimeFigureOut">
               <a:rPr lang="zh-TW" altLang="en-US" smtClean="0"/>
-              <a:t>2018/1/13</a:t>
+              <a:t>2020/1/18</a:t>
             </a:fld>
             <a:endParaRPr lang="zh-TW" altLang="en-US"/>
           </a:p>
@@ -880,8 +896,8 @@
         </p:nvSpPr>
         <p:spPr>
           <a:xfrm>
-            <a:off x="722313" y="4406900"/>
-            <a:ext cx="7772400" cy="1362075"/>
+            <a:off x="963084" y="4406901"/>
+            <a:ext cx="10363200" cy="1362075"/>
           </a:xfrm>
         </p:spPr>
         <p:txBody>
@@ -912,8 +928,8 @@
         </p:nvSpPr>
         <p:spPr>
           <a:xfrm>
-            <a:off x="722313" y="2906713"/>
-            <a:ext cx="7772400" cy="1500187"/>
+            <a:off x="963084" y="2906713"/>
+            <a:ext cx="10363200" cy="1500187"/>
           </a:xfrm>
         </p:spPr>
         <p:txBody>
@@ -1036,7 +1052,7 @@
           <a:p>
             <a:fld id="{A3BB3220-857D-4A62-B48C-0094D705FBD3}" type="datetimeFigureOut">
               <a:rPr lang="zh-TW" altLang="en-US" smtClean="0"/>
-              <a:t>2018/1/13</a:t>
+              <a:t>2020/1/18</a:t>
             </a:fld>
             <a:endParaRPr lang="zh-TW" altLang="en-US"/>
           </a:p>
@@ -1144,8 +1160,8 @@
         </p:nvSpPr>
         <p:spPr>
           <a:xfrm>
-            <a:off x="457200" y="1600200"/>
-            <a:ext cx="4038600" cy="4525963"/>
+            <a:off x="609600" y="1600201"/>
+            <a:ext cx="5384800" cy="4525963"/>
           </a:xfrm>
         </p:spPr>
         <p:txBody>
@@ -1229,8 +1245,8 @@
         </p:nvSpPr>
         <p:spPr>
           <a:xfrm>
-            <a:off x="4648200" y="1600200"/>
-            <a:ext cx="4038600" cy="4525963"/>
+            <a:off x="6197600" y="1600201"/>
+            <a:ext cx="5384800" cy="4525963"/>
           </a:xfrm>
         </p:spPr>
         <p:txBody>
@@ -1319,7 +1335,7 @@
           <a:p>
             <a:fld id="{A3BB3220-857D-4A62-B48C-0094D705FBD3}" type="datetimeFigureOut">
               <a:rPr lang="zh-TW" altLang="en-US" smtClean="0"/>
-              <a:t>2018/1/13</a:t>
+              <a:t>2020/1/18</a:t>
             </a:fld>
             <a:endParaRPr lang="zh-TW" altLang="en-US"/>
           </a:p>
@@ -1431,8 +1447,8 @@
         </p:nvSpPr>
         <p:spPr>
           <a:xfrm>
-            <a:off x="457200" y="1535113"/>
-            <a:ext cx="4040188" cy="639762"/>
+            <a:off x="609600" y="1535113"/>
+            <a:ext cx="5386917" cy="639762"/>
           </a:xfrm>
         </p:spPr>
         <p:txBody>
@@ -1496,8 +1512,8 @@
         </p:nvSpPr>
         <p:spPr>
           <a:xfrm>
-            <a:off x="457200" y="2174875"/>
-            <a:ext cx="4040188" cy="3951288"/>
+            <a:off x="609600" y="2174875"/>
+            <a:ext cx="5386917" cy="3951288"/>
           </a:xfrm>
         </p:spPr>
         <p:txBody>
@@ -1581,8 +1597,8 @@
         </p:nvSpPr>
         <p:spPr>
           <a:xfrm>
-            <a:off x="4645025" y="1535113"/>
-            <a:ext cx="4041775" cy="639762"/>
+            <a:off x="6193368" y="1535113"/>
+            <a:ext cx="5389033" cy="639762"/>
           </a:xfrm>
         </p:spPr>
         <p:txBody>
@@ -1646,8 +1662,8 @@
         </p:nvSpPr>
         <p:spPr>
           <a:xfrm>
-            <a:off x="4645025" y="2174875"/>
-            <a:ext cx="4041775" cy="3951288"/>
+            <a:off x="6193368" y="2174875"/>
+            <a:ext cx="5389033" cy="3951288"/>
           </a:xfrm>
         </p:spPr>
         <p:txBody>
@@ -1736,7 +1752,7 @@
           <a:p>
             <a:fld id="{A3BB3220-857D-4A62-B48C-0094D705FBD3}" type="datetimeFigureOut">
               <a:rPr lang="zh-TW" altLang="en-US" smtClean="0"/>
-              <a:t>2018/1/13</a:t>
+              <a:t>2020/1/18</a:t>
             </a:fld>
             <a:endParaRPr lang="zh-TW" altLang="en-US"/>
           </a:p>
@@ -1849,7 +1865,7 @@
           <a:p>
             <a:fld id="{A3BB3220-857D-4A62-B48C-0094D705FBD3}" type="datetimeFigureOut">
               <a:rPr lang="zh-TW" altLang="en-US" smtClean="0"/>
-              <a:t>2018/1/13</a:t>
+              <a:t>2020/1/18</a:t>
             </a:fld>
             <a:endParaRPr lang="zh-TW" altLang="en-US"/>
           </a:p>
@@ -1939,7 +1955,7 @@
           <a:p>
             <a:fld id="{A3BB3220-857D-4A62-B48C-0094D705FBD3}" type="datetimeFigureOut">
               <a:rPr lang="zh-TW" altLang="en-US" smtClean="0"/>
-              <a:t>2018/1/13</a:t>
+              <a:t>2020/1/18</a:t>
             </a:fld>
             <a:endParaRPr lang="zh-TW" altLang="en-US"/>
           </a:p>
@@ -2024,8 +2040,8 @@
         </p:nvSpPr>
         <p:spPr>
           <a:xfrm>
-            <a:off x="457200" y="273050"/>
-            <a:ext cx="3008313" cy="1162050"/>
+            <a:off x="609601" y="273050"/>
+            <a:ext cx="4011084" cy="1162050"/>
           </a:xfrm>
         </p:spPr>
         <p:txBody>
@@ -2056,8 +2072,8 @@
         </p:nvSpPr>
         <p:spPr>
           <a:xfrm>
-            <a:off x="3575050" y="273050"/>
-            <a:ext cx="5111750" cy="5853113"/>
+            <a:off x="4766733" y="273051"/>
+            <a:ext cx="6815667" cy="5853113"/>
           </a:xfrm>
         </p:spPr>
         <p:txBody>
@@ -2141,8 +2157,8 @@
         </p:nvSpPr>
         <p:spPr>
           <a:xfrm>
-            <a:off x="457200" y="1435100"/>
-            <a:ext cx="3008313" cy="4691063"/>
+            <a:off x="609601" y="1435101"/>
+            <a:ext cx="4011084" cy="4691063"/>
           </a:xfrm>
         </p:spPr>
         <p:txBody>
@@ -2211,7 +2227,7 @@
           <a:p>
             <a:fld id="{A3BB3220-857D-4A62-B48C-0094D705FBD3}" type="datetimeFigureOut">
               <a:rPr lang="zh-TW" altLang="en-US" smtClean="0"/>
-              <a:t>2018/1/13</a:t>
+              <a:t>2020/1/18</a:t>
             </a:fld>
             <a:endParaRPr lang="zh-TW" altLang="en-US"/>
           </a:p>
@@ -2296,8 +2312,8 @@
         </p:nvSpPr>
         <p:spPr>
           <a:xfrm>
-            <a:off x="1792288" y="4800600"/>
-            <a:ext cx="5486400" cy="566738"/>
+            <a:off x="2389717" y="4800600"/>
+            <a:ext cx="7315200" cy="566738"/>
           </a:xfrm>
         </p:spPr>
         <p:txBody>
@@ -2328,8 +2344,8 @@
         </p:nvSpPr>
         <p:spPr>
           <a:xfrm>
-            <a:off x="1792288" y="612775"/>
-            <a:ext cx="5486400" cy="4114800"/>
+            <a:off x="2389717" y="612775"/>
+            <a:ext cx="7315200" cy="4114800"/>
           </a:xfrm>
         </p:spPr>
         <p:txBody>
@@ -2393,8 +2409,8 @@
         </p:nvSpPr>
         <p:spPr>
           <a:xfrm>
-            <a:off x="1792288" y="5367338"/>
-            <a:ext cx="5486400" cy="804862"/>
+            <a:off x="2389717" y="5367338"/>
+            <a:ext cx="7315200" cy="804862"/>
           </a:xfrm>
         </p:spPr>
         <p:txBody>
@@ -2463,7 +2479,7 @@
           <a:p>
             <a:fld id="{A3BB3220-857D-4A62-B48C-0094D705FBD3}" type="datetimeFigureOut">
               <a:rPr lang="zh-TW" altLang="en-US" smtClean="0"/>
-              <a:t>2018/1/13</a:t>
+              <a:t>2020/1/18</a:t>
             </a:fld>
             <a:endParaRPr lang="zh-TW" altLang="en-US"/>
           </a:p>
@@ -2558,8 +2574,8 @@
         </p:nvSpPr>
         <p:spPr>
           <a:xfrm>
-            <a:off x="457200" y="274638"/>
-            <a:ext cx="8229600" cy="1143000"/>
+            <a:off x="609600" y="274638"/>
+            <a:ext cx="10972800" cy="1143000"/>
           </a:xfrm>
           <a:prstGeom prst="rect">
             <a:avLst/>
@@ -2591,8 +2607,8 @@
         </p:nvSpPr>
         <p:spPr>
           <a:xfrm>
-            <a:off x="457200" y="1600200"/>
-            <a:ext cx="8229600" cy="4525963"/>
+            <a:off x="609600" y="1600201"/>
+            <a:ext cx="10972800" cy="4525963"/>
           </a:xfrm>
           <a:prstGeom prst="rect">
             <a:avLst/>
@@ -2653,8 +2669,8 @@
         </p:nvSpPr>
         <p:spPr>
           <a:xfrm>
-            <a:off x="457200" y="6356350"/>
-            <a:ext cx="2133600" cy="365125"/>
+            <a:off x="609600" y="6356351"/>
+            <a:ext cx="2844800" cy="365125"/>
           </a:xfrm>
           <a:prstGeom prst="rect">
             <a:avLst/>
@@ -2676,7 +2692,7 @@
           <a:p>
             <a:fld id="{A3BB3220-857D-4A62-B48C-0094D705FBD3}" type="datetimeFigureOut">
               <a:rPr lang="zh-TW" altLang="en-US" smtClean="0"/>
-              <a:t>2018/1/13</a:t>
+              <a:t>2020/1/18</a:t>
             </a:fld>
             <a:endParaRPr lang="zh-TW" altLang="en-US"/>
           </a:p>
@@ -2694,8 +2710,8 @@
         </p:nvSpPr>
         <p:spPr>
           <a:xfrm>
-            <a:off x="3124200" y="6356350"/>
-            <a:ext cx="2895600" cy="365125"/>
+            <a:off x="4165600" y="6356351"/>
+            <a:ext cx="3860800" cy="365125"/>
           </a:xfrm>
           <a:prstGeom prst="rect">
             <a:avLst/>
@@ -2731,8 +2747,8 @@
         </p:nvSpPr>
         <p:spPr>
           <a:xfrm>
-            <a:off x="6553200" y="6356350"/>
-            <a:ext cx="2133600" cy="365125"/>
+            <a:off x="8737600" y="6356351"/>
+            <a:ext cx="2844800" cy="365125"/>
           </a:xfrm>
           <a:prstGeom prst="rect">
             <a:avLst/>
@@ -3071,17 +3087,7 @@
                 <a:latin typeface="微軟正黑體" pitchFamily="34" charset="-120"/>
                 <a:ea typeface="微軟正黑體" pitchFamily="34" charset="-120"/>
               </a:rPr>
-              <a:t>這是耶和華所定</a:t>
-            </a:r>
-            <a:r>
-              <a:rPr lang="zh-TW" altLang="en-US" b="1" dirty="0" smtClean="0">
-                <a:solidFill>
-                  <a:srgbClr val="660033"/>
-                </a:solidFill>
-                <a:latin typeface="微軟正黑體" pitchFamily="34" charset="-120"/>
-                <a:ea typeface="微軟正黑體" pitchFamily="34" charset="-120"/>
-              </a:rPr>
-              <a:t>日子</a:t>
+              <a:t>這是耶和華所定日子</a:t>
             </a:r>
             <a:endParaRPr lang="zh-TW" altLang="en-US" b="1" dirty="0">
               <a:solidFill>
@@ -3114,24 +3120,90 @@
               <a:buNone/>
             </a:pPr>
             <a:r>
-              <a:rPr lang="zh-TW" altLang="en-US" sz="5400" b="1" dirty="0" smtClean="0">
+              <a:rPr lang="zh-TW" altLang="en-US" sz="5400" b="1" dirty="0">
                 <a:solidFill>
                   <a:srgbClr val="660033"/>
                 </a:solidFill>
                 <a:latin typeface="微軟正黑體" pitchFamily="34" charset="-120"/>
                 <a:ea typeface="微軟正黑體" pitchFamily="34" charset="-120"/>
               </a:rPr>
-              <a:t>這是耶和華所定</a:t>
-            </a:r>
-            <a:r>
-              <a:rPr lang="zh-TW" altLang="en-US" sz="5400" b="1" dirty="0" smtClean="0">
+              <a:t>這是耶和華所定日子</a:t>
+            </a:r>
+            <a:endParaRPr lang="en-US" altLang="zh-TW" sz="5400" b="1" dirty="0">
+              <a:solidFill>
+                <a:srgbClr val="660033"/>
+              </a:solidFill>
+              <a:latin typeface="微軟正黑體" pitchFamily="34" charset="-120"/>
+              <a:ea typeface="微軟正黑體" pitchFamily="34" charset="-120"/>
+            </a:endParaRPr>
+          </a:p>
+          <a:p>
+            <a:pPr algn="ctr">
+              <a:buNone/>
+            </a:pPr>
+            <a:r>
+              <a:rPr lang="zh-TW" altLang="en-US" sz="5400" b="1" dirty="0">
                 <a:solidFill>
                   <a:srgbClr val="660033"/>
                 </a:solidFill>
                 <a:latin typeface="微軟正黑體" pitchFamily="34" charset="-120"/>
                 <a:ea typeface="微軟正黑體" pitchFamily="34" charset="-120"/>
               </a:rPr>
-              <a:t>日子</a:t>
+              <a:t>神的兒女當歡呼喜樂</a:t>
+            </a:r>
+            <a:endParaRPr lang="en-US" altLang="zh-TW" sz="5400" b="1" dirty="0">
+              <a:solidFill>
+                <a:srgbClr val="660033"/>
+              </a:solidFill>
+              <a:latin typeface="微軟正黑體" pitchFamily="34" charset="-120"/>
+              <a:ea typeface="微軟正黑體" pitchFamily="34" charset="-120"/>
+            </a:endParaRPr>
+          </a:p>
+          <a:p>
+            <a:pPr algn="ctr">
+              <a:buNone/>
+            </a:pPr>
+            <a:r>
+              <a:rPr lang="zh-TW" altLang="en-US" sz="5400" b="1" dirty="0">
+                <a:solidFill>
+                  <a:srgbClr val="660033"/>
+                </a:solidFill>
+                <a:latin typeface="微軟正黑體" pitchFamily="34" charset="-120"/>
+                <a:ea typeface="微軟正黑體" pitchFamily="34" charset="-120"/>
+              </a:rPr>
+              <a:t>耶和華已戰勝仇敵</a:t>
+            </a:r>
+            <a:endParaRPr lang="en-US" altLang="zh-TW" sz="5400" b="1" dirty="0">
+              <a:solidFill>
+                <a:srgbClr val="660033"/>
+              </a:solidFill>
+              <a:latin typeface="微軟正黑體" pitchFamily="34" charset="-120"/>
+              <a:ea typeface="微軟正黑體" pitchFamily="34" charset="-120"/>
+            </a:endParaRPr>
+          </a:p>
+          <a:p>
+            <a:pPr algn="ctr">
+              <a:buNone/>
+            </a:pPr>
+            <a:r>
+              <a:rPr lang="zh-TW" altLang="en-US" sz="5400" b="1" dirty="0">
+                <a:solidFill>
+                  <a:srgbClr val="660033"/>
+                </a:solidFill>
+                <a:latin typeface="微軟正黑體" pitchFamily="34" charset="-120"/>
+                <a:ea typeface="微軟正黑體" pitchFamily="34" charset="-120"/>
+              </a:rPr>
+              <a:t>戰勝仇敵 全地大聲歡</a:t>
+            </a:r>
+            <a:r>
+              <a:rPr lang="zh-TW" altLang="en-US" sz="5400" b="1" dirty="0" smtClean="0">
+                <a:solidFill>
+                  <a:srgbClr val="660033"/>
+                </a:solidFill>
+                <a:latin typeface="微軟正黑體" pitchFamily="34" charset="-120"/>
+                <a:ea typeface="微軟正黑體" pitchFamily="34" charset="-120"/>
+              </a:rPr>
+              <a:t>呼</a:t>
             </a:r>
             <a:endParaRPr lang="en-US" altLang="zh-TW" sz="5400" b="1" dirty="0" smtClean="0">
               <a:solidFill>
@@ -3146,110 +3218,36 @@
               <a:buNone/>
             </a:pPr>
             <a:r>
-              <a:rPr lang="zh-TW" altLang="en-US" sz="5400" b="1" dirty="0" smtClean="0">
+              <a:rPr lang="zh-CN" altLang="en-US" sz="4000" b="1" dirty="0" smtClean="0">
                 <a:solidFill>
                   <a:srgbClr val="660033"/>
                 </a:solidFill>
                 <a:latin typeface="微軟正黑體" pitchFamily="34" charset="-120"/>
                 <a:ea typeface="微軟正黑體" pitchFamily="34" charset="-120"/>
               </a:rPr>
-              <a:t>神</a:t>
-            </a:r>
-            <a:r>
-              <a:rPr lang="zh-TW" altLang="en-US" sz="5400" b="1" dirty="0" smtClean="0">
+              <a:t>（</a:t>
+            </a:r>
+            <a:r>
+              <a:rPr lang="en-US" altLang="zh-CN" sz="4000" b="1" dirty="0" smtClean="0">
                 <a:solidFill>
                   <a:srgbClr val="660033"/>
                 </a:solidFill>
                 <a:latin typeface="微軟正黑體" pitchFamily="34" charset="-120"/>
                 <a:ea typeface="微軟正黑體" pitchFamily="34" charset="-120"/>
               </a:rPr>
-              <a:t>的兒女當歡呼</a:t>
-            </a:r>
-            <a:r>
-              <a:rPr lang="zh-TW" altLang="en-US" sz="5400" b="1" dirty="0" smtClean="0">
+              <a:t>x2</a:t>
+            </a:r>
+            <a:r>
+              <a:rPr lang="zh-CN" altLang="en-US" sz="4000" b="1" dirty="0" smtClean="0">
                 <a:solidFill>
                   <a:srgbClr val="660033"/>
                 </a:solidFill>
                 <a:latin typeface="微軟正黑體" pitchFamily="34" charset="-120"/>
                 <a:ea typeface="微軟正黑體" pitchFamily="34" charset="-120"/>
               </a:rPr>
-              <a:t>喜樂</a:t>
-            </a:r>
-            <a:endParaRPr lang="en-US" altLang="zh-TW" sz="5400" b="1" dirty="0" smtClean="0">
-              <a:solidFill>
-                <a:srgbClr val="660033"/>
-              </a:solidFill>
-              <a:latin typeface="微軟正黑體" pitchFamily="34" charset="-120"/>
-              <a:ea typeface="微軟正黑體" pitchFamily="34" charset="-120"/>
-            </a:endParaRPr>
-          </a:p>
-          <a:p>
-            <a:pPr algn="ctr">
-              <a:buNone/>
-            </a:pPr>
-            <a:r>
-              <a:rPr lang="zh-TW" altLang="en-US" sz="5400" b="1" dirty="0" smtClean="0">
-                <a:solidFill>
-                  <a:srgbClr val="660033"/>
-                </a:solidFill>
-                <a:latin typeface="微軟正黑體" pitchFamily="34" charset="-120"/>
-                <a:ea typeface="微軟正黑體" pitchFamily="34" charset="-120"/>
-              </a:rPr>
-              <a:t>耶和華</a:t>
-            </a:r>
-            <a:r>
-              <a:rPr lang="zh-TW" altLang="en-US" sz="5400" b="1" dirty="0" smtClean="0">
-                <a:solidFill>
-                  <a:srgbClr val="660033"/>
-                </a:solidFill>
-                <a:latin typeface="微軟正黑體" pitchFamily="34" charset="-120"/>
-                <a:ea typeface="微軟正黑體" pitchFamily="34" charset="-120"/>
-              </a:rPr>
-              <a:t>已戰勝</a:t>
-            </a:r>
-            <a:r>
-              <a:rPr lang="zh-TW" altLang="en-US" sz="5400" b="1" dirty="0" smtClean="0">
-                <a:solidFill>
-                  <a:srgbClr val="660033"/>
-                </a:solidFill>
-                <a:latin typeface="微軟正黑體" pitchFamily="34" charset="-120"/>
-                <a:ea typeface="微軟正黑體" pitchFamily="34" charset="-120"/>
-              </a:rPr>
-              <a:t>仇敵</a:t>
-            </a:r>
-            <a:endParaRPr lang="en-US" altLang="zh-TW" sz="5400" b="1" dirty="0" smtClean="0">
-              <a:solidFill>
-                <a:srgbClr val="660033"/>
-              </a:solidFill>
-              <a:latin typeface="微軟正黑體" pitchFamily="34" charset="-120"/>
-              <a:ea typeface="微軟正黑體" pitchFamily="34" charset="-120"/>
-            </a:endParaRPr>
-          </a:p>
-          <a:p>
-            <a:pPr algn="ctr">
-              <a:buNone/>
-            </a:pPr>
-            <a:r>
-              <a:rPr lang="zh-TW" altLang="en-US" sz="5400" b="1" dirty="0" smtClean="0">
-                <a:solidFill>
-                  <a:srgbClr val="660033"/>
-                </a:solidFill>
-                <a:latin typeface="微軟正黑體" pitchFamily="34" charset="-120"/>
-                <a:ea typeface="微軟正黑體" pitchFamily="34" charset="-120"/>
-              </a:rPr>
-              <a:t>戰勝</a:t>
-            </a:r>
-            <a:r>
-              <a:rPr lang="zh-TW" altLang="en-US" sz="5400" b="1" dirty="0" smtClean="0">
-                <a:solidFill>
-                  <a:srgbClr val="660033"/>
-                </a:solidFill>
-                <a:latin typeface="微軟正黑體" pitchFamily="34" charset="-120"/>
-                <a:ea typeface="微軟正黑體" pitchFamily="34" charset="-120"/>
-              </a:rPr>
-              <a:t>仇敵 全地大聲歡呼</a:t>
-            </a:r>
-            <a:endParaRPr lang="zh-TW" altLang="en-US" sz="5400" b="1" dirty="0">
+              <a:t>）</a:t>
+            </a:r>
+            <a:endParaRPr lang="zh-TW" altLang="en-US" sz="4000" b="1" dirty="0">
               <a:solidFill>
                 <a:srgbClr val="660033"/>
               </a:solidFill>
@@ -3309,17 +3307,7 @@
                 <a:latin typeface="微軟正黑體" pitchFamily="34" charset="-120"/>
                 <a:ea typeface="微軟正黑體" pitchFamily="34" charset="-120"/>
               </a:rPr>
-              <a:t>這是耶和華所定</a:t>
-            </a:r>
-            <a:r>
-              <a:rPr lang="zh-TW" altLang="en-US" b="1" dirty="0" smtClean="0">
-                <a:solidFill>
-                  <a:srgbClr val="660033"/>
-                </a:solidFill>
-                <a:latin typeface="微軟正黑體" pitchFamily="34" charset="-120"/>
-                <a:ea typeface="微軟正黑體" pitchFamily="34" charset="-120"/>
-              </a:rPr>
-              <a:t>日子</a:t>
+              <a:t>這是耶和華所定日子</a:t>
             </a:r>
             <a:endParaRPr lang="zh-TW" altLang="en-US" b="1" dirty="0">
               <a:solidFill>
@@ -3352,26 +3340,16 @@
               <a:buNone/>
             </a:pPr>
             <a:r>
-              <a:rPr lang="zh-TW" altLang="en-US" sz="5400" b="1" dirty="0" smtClean="0">
+              <a:rPr lang="zh-TW" altLang="en-US" sz="5400" b="1" dirty="0">
                 <a:solidFill>
                   <a:srgbClr val="660033"/>
                 </a:solidFill>
                 <a:latin typeface="微軟正黑體" pitchFamily="34" charset="-120"/>
                 <a:ea typeface="微軟正黑體" pitchFamily="34" charset="-120"/>
               </a:rPr>
-              <a:t>耶和華是我</a:t>
-            </a:r>
-            <a:r>
-              <a:rPr lang="zh-TW" altLang="en-US" sz="5400" b="1" dirty="0" smtClean="0">
-                <a:solidFill>
-                  <a:srgbClr val="660033"/>
-                </a:solidFill>
-                <a:latin typeface="微軟正黑體" pitchFamily="34" charset="-120"/>
-                <a:ea typeface="微軟正黑體" pitchFamily="34" charset="-120"/>
-              </a:rPr>
-              <a:t>力量</a:t>
-            </a:r>
-            <a:endParaRPr lang="en-US" altLang="zh-TW" sz="5400" b="1" dirty="0" smtClean="0">
+              <a:t>耶和華是我力量</a:t>
+            </a:r>
+            <a:endParaRPr lang="en-US" altLang="zh-TW" sz="5400" b="1" dirty="0">
               <a:solidFill>
                 <a:srgbClr val="660033"/>
               </a:solidFill>
@@ -3384,36 +3362,16 @@
               <a:buNone/>
             </a:pPr>
             <a:r>
-              <a:rPr lang="zh-TW" altLang="en-US" sz="5400" b="1" dirty="0" smtClean="0">
+              <a:rPr lang="zh-TW" altLang="en-US" sz="5400" b="1" dirty="0">
                 <a:solidFill>
                   <a:srgbClr val="660033"/>
                 </a:solidFill>
                 <a:latin typeface="微軟正黑體" pitchFamily="34" charset="-120"/>
                 <a:ea typeface="微軟正黑體" pitchFamily="34" charset="-120"/>
               </a:rPr>
-              <a:t>我</a:t>
-            </a:r>
-            <a:r>
-              <a:rPr lang="zh-TW" altLang="en-US" sz="5400" b="1" dirty="0" smtClean="0">
-                <a:solidFill>
-                  <a:srgbClr val="660033"/>
-                </a:solidFill>
-                <a:latin typeface="微軟正黑體" pitchFamily="34" charset="-120"/>
-                <a:ea typeface="微軟正黑體" pitchFamily="34" charset="-120"/>
-              </a:rPr>
-              <a:t>心中一切的</a:t>
-            </a:r>
-            <a:r>
-              <a:rPr lang="zh-TW" altLang="en-US" sz="5400" b="1" dirty="0" smtClean="0">
-                <a:solidFill>
-                  <a:srgbClr val="660033"/>
-                </a:solidFill>
-                <a:latin typeface="微軟正黑體" pitchFamily="34" charset="-120"/>
-                <a:ea typeface="微軟正黑體" pitchFamily="34" charset="-120"/>
-              </a:rPr>
-              <a:t>盼望</a:t>
-            </a:r>
-            <a:endParaRPr lang="en-US" altLang="zh-TW" sz="5400" b="1" dirty="0" smtClean="0">
+              <a:t>我心中一切的盼望</a:t>
+            </a:r>
+            <a:endParaRPr lang="en-US" altLang="zh-TW" sz="5400" b="1" dirty="0">
               <a:solidFill>
                 <a:srgbClr val="660033"/>
               </a:solidFill>
@@ -3426,36 +3384,16 @@
               <a:buNone/>
             </a:pPr>
             <a:r>
-              <a:rPr lang="zh-TW" altLang="en-US" sz="5400" b="1" dirty="0" smtClean="0">
+              <a:rPr lang="zh-TW" altLang="en-US" sz="5400" b="1" dirty="0">
                 <a:solidFill>
                   <a:srgbClr val="660033"/>
                 </a:solidFill>
                 <a:latin typeface="微軟正黑體" pitchFamily="34" charset="-120"/>
                 <a:ea typeface="微軟正黑體" pitchFamily="34" charset="-120"/>
               </a:rPr>
-              <a:t>耶和華</a:t>
-            </a:r>
-            <a:r>
-              <a:rPr lang="zh-TW" altLang="en-US" sz="5400" b="1" dirty="0" smtClean="0">
-                <a:solidFill>
-                  <a:srgbClr val="660033"/>
-                </a:solidFill>
-                <a:latin typeface="微軟正黑體" pitchFamily="34" charset="-120"/>
-                <a:ea typeface="微軟正黑體" pitchFamily="34" charset="-120"/>
-              </a:rPr>
-              <a:t>是我的</a:t>
-            </a:r>
-            <a:r>
-              <a:rPr lang="zh-TW" altLang="en-US" sz="5400" b="1" dirty="0" smtClean="0">
-                <a:solidFill>
-                  <a:srgbClr val="660033"/>
-                </a:solidFill>
-                <a:latin typeface="微軟正黑體" pitchFamily="34" charset="-120"/>
-                <a:ea typeface="微軟正黑體" pitchFamily="34" charset="-120"/>
-              </a:rPr>
-              <a:t>詩歌</a:t>
-            </a:r>
-            <a:endParaRPr lang="en-US" altLang="zh-TW" sz="5400" b="1" dirty="0" smtClean="0">
+              <a:t>耶和華是我的詩歌</a:t>
+            </a:r>
+            <a:endParaRPr lang="en-US" altLang="zh-TW" sz="5400" b="1" dirty="0">
               <a:solidFill>
                 <a:srgbClr val="660033"/>
               </a:solidFill>
@@ -3468,34 +3406,14 @@
               <a:buNone/>
             </a:pPr>
             <a:r>
-              <a:rPr lang="zh-TW" altLang="en-US" sz="5400" b="1" dirty="0" smtClean="0">
+              <a:rPr lang="zh-TW" altLang="en-US" sz="5400" b="1" dirty="0">
                 <a:solidFill>
                   <a:srgbClr val="660033"/>
                 </a:solidFill>
                 <a:latin typeface="微軟正黑體" pitchFamily="34" charset="-120"/>
                 <a:ea typeface="微軟正黑體" pitchFamily="34" charset="-120"/>
               </a:rPr>
-              <a:t>又</a:t>
-            </a:r>
-            <a:r>
-              <a:rPr lang="zh-TW" altLang="en-US" sz="5400" b="1" dirty="0" smtClean="0">
-                <a:solidFill>
-                  <a:srgbClr val="660033"/>
-                </a:solidFill>
-                <a:latin typeface="微軟正黑體" pitchFamily="34" charset="-120"/>
-                <a:ea typeface="微軟正黑體" pitchFamily="34" charset="-120"/>
-              </a:rPr>
-              <a:t>是我的</a:t>
-            </a:r>
-            <a:r>
-              <a:rPr lang="zh-TW" altLang="en-US" sz="5400" b="1" dirty="0" smtClean="0">
-                <a:solidFill>
-                  <a:srgbClr val="660033"/>
-                </a:solidFill>
-                <a:latin typeface="微軟正黑體" pitchFamily="34" charset="-120"/>
-                <a:ea typeface="微軟正黑體" pitchFamily="34" charset="-120"/>
-              </a:rPr>
-              <a:t>拯救</a:t>
+              <a:t>又是我的拯救</a:t>
             </a:r>
             <a:endParaRPr lang="zh-TW" altLang="en-US" sz="5400" b="1" dirty="0">
               <a:solidFill>
@@ -3557,17 +3475,7 @@
                 <a:latin typeface="微軟正黑體" pitchFamily="34" charset="-120"/>
                 <a:ea typeface="微軟正黑體" pitchFamily="34" charset="-120"/>
               </a:rPr>
-              <a:t>這是耶和華所定</a:t>
-            </a:r>
-            <a:r>
-              <a:rPr lang="zh-TW" altLang="en-US" b="1" dirty="0" smtClean="0">
-                <a:solidFill>
-                  <a:srgbClr val="660033"/>
-                </a:solidFill>
-                <a:latin typeface="微軟正黑體" pitchFamily="34" charset="-120"/>
-                <a:ea typeface="微軟正黑體" pitchFamily="34" charset="-120"/>
-              </a:rPr>
-              <a:t>日子</a:t>
+              <a:t>這是耶和華所定日子</a:t>
             </a:r>
             <a:endParaRPr lang="zh-TW" altLang="en-US" b="1" dirty="0">
               <a:solidFill>
@@ -3600,36 +3508,16 @@
               <a:buNone/>
             </a:pPr>
             <a:r>
-              <a:rPr lang="zh-TW" altLang="en-US" sz="5400" b="1" dirty="0" smtClean="0">
+              <a:rPr lang="zh-TW" altLang="en-US" sz="5400" b="1" dirty="0">
                 <a:solidFill>
                   <a:srgbClr val="660033"/>
                 </a:solidFill>
                 <a:latin typeface="微軟正黑體" pitchFamily="34" charset="-120"/>
                 <a:ea typeface="微軟正黑體" pitchFamily="34" charset="-120"/>
               </a:rPr>
-              <a:t>神</a:t>
-            </a:r>
-            <a:r>
-              <a:rPr lang="zh-TW" altLang="en-US" sz="5400" b="1" dirty="0" smtClean="0">
-                <a:solidFill>
-                  <a:srgbClr val="660033"/>
-                </a:solidFill>
-                <a:latin typeface="微軟正黑體" pitchFamily="34" charset="-120"/>
-                <a:ea typeface="微軟正黑體" pitchFamily="34" charset="-120"/>
-              </a:rPr>
-              <a:t>子民行走全</a:t>
-            </a:r>
-            <a:r>
-              <a:rPr lang="zh-TW" altLang="en-US" sz="5400" b="1" dirty="0" smtClean="0">
-                <a:solidFill>
-                  <a:srgbClr val="660033"/>
-                </a:solidFill>
-                <a:latin typeface="微軟正黑體" pitchFamily="34" charset="-120"/>
-                <a:ea typeface="微軟正黑體" pitchFamily="34" charset="-120"/>
-              </a:rPr>
-              <a:t>地</a:t>
-            </a:r>
-            <a:endParaRPr lang="en-US" altLang="zh-TW" sz="5400" b="1" dirty="0" smtClean="0">
+              <a:t>神子民行走全地</a:t>
+            </a:r>
+            <a:endParaRPr lang="en-US" altLang="zh-TW" sz="5400" b="1" dirty="0">
               <a:solidFill>
                 <a:srgbClr val="660033"/>
               </a:solidFill>
@@ -3642,36 +3530,16 @@
               <a:buNone/>
             </a:pPr>
             <a:r>
-              <a:rPr lang="zh-TW" altLang="en-US" sz="5400" b="1" dirty="0" smtClean="0">
+              <a:rPr lang="zh-TW" altLang="en-US" sz="5400" b="1" dirty="0">
                 <a:solidFill>
                   <a:srgbClr val="660033"/>
                 </a:solidFill>
                 <a:latin typeface="微軟正黑體" pitchFamily="34" charset="-120"/>
                 <a:ea typeface="微軟正黑體" pitchFamily="34" charset="-120"/>
               </a:rPr>
-              <a:t>報</a:t>
-            </a:r>
-            <a:r>
-              <a:rPr lang="zh-TW" altLang="en-US" sz="5400" b="1" dirty="0" smtClean="0">
-                <a:solidFill>
-                  <a:srgbClr val="660033"/>
-                </a:solidFill>
-                <a:latin typeface="微軟正黑體" pitchFamily="34" charset="-120"/>
-                <a:ea typeface="微軟正黑體" pitchFamily="34" charset="-120"/>
-              </a:rPr>
-              <a:t>好消息宣告祢的</a:t>
-            </a:r>
-            <a:r>
-              <a:rPr lang="zh-TW" altLang="en-US" sz="5400" b="1" dirty="0" smtClean="0">
-                <a:solidFill>
-                  <a:srgbClr val="660033"/>
-                </a:solidFill>
-                <a:latin typeface="微軟正黑體" pitchFamily="34" charset="-120"/>
-                <a:ea typeface="微軟正黑體" pitchFamily="34" charset="-120"/>
-              </a:rPr>
-              <a:t>名</a:t>
-            </a:r>
-            <a:endParaRPr lang="en-US" altLang="zh-TW" sz="5400" b="1" dirty="0" smtClean="0">
+              <a:t>報好消息宣告祢的名</a:t>
+            </a:r>
+            <a:endParaRPr lang="en-US" altLang="zh-TW" sz="5400" b="1" dirty="0">
               <a:solidFill>
                 <a:srgbClr val="660033"/>
               </a:solidFill>
@@ -3684,36 +3552,16 @@
               <a:buNone/>
             </a:pPr>
             <a:r>
-              <a:rPr lang="zh-TW" altLang="en-US" sz="5400" b="1" dirty="0" smtClean="0">
+              <a:rPr lang="zh-TW" altLang="en-US" sz="5400" b="1" dirty="0">
                 <a:solidFill>
                   <a:srgbClr val="660033"/>
                 </a:solidFill>
                 <a:latin typeface="微軟正黑體" pitchFamily="34" charset="-120"/>
                 <a:ea typeface="微軟正黑體" pitchFamily="34" charset="-120"/>
               </a:rPr>
-              <a:t>高舉</a:t>
-            </a:r>
-            <a:r>
-              <a:rPr lang="zh-TW" altLang="en-US" sz="5400" b="1" dirty="0" smtClean="0">
-                <a:solidFill>
-                  <a:srgbClr val="660033"/>
-                </a:solidFill>
-                <a:latin typeface="微軟正黑體" pitchFamily="34" charset="-120"/>
-                <a:ea typeface="微軟正黑體" pitchFamily="34" charset="-120"/>
-              </a:rPr>
-              <a:t>得勝的</a:t>
-            </a:r>
-            <a:r>
-              <a:rPr lang="zh-TW" altLang="en-US" sz="5400" b="1" dirty="0" smtClean="0">
-                <a:solidFill>
-                  <a:srgbClr val="660033"/>
-                </a:solidFill>
-                <a:latin typeface="微軟正黑體" pitchFamily="34" charset="-120"/>
-                <a:ea typeface="微軟正黑體" pitchFamily="34" charset="-120"/>
-              </a:rPr>
-              <a:t>旌旗</a:t>
-            </a:r>
-            <a:endParaRPr lang="en-US" altLang="zh-TW" sz="5400" b="1" dirty="0" smtClean="0">
+              <a:t>高舉得勝的旌旗</a:t>
+            </a:r>
+            <a:endParaRPr lang="en-US" altLang="zh-TW" sz="5400" b="1" dirty="0">
               <a:solidFill>
                 <a:srgbClr val="660033"/>
               </a:solidFill>
@@ -3726,24 +3574,14 @@
               <a:buNone/>
             </a:pPr>
             <a:r>
-              <a:rPr lang="zh-TW" altLang="en-US" sz="5400" b="1" dirty="0" smtClean="0">
+              <a:rPr lang="zh-TW" altLang="en-US" sz="5400" b="1" dirty="0">
                 <a:solidFill>
                   <a:srgbClr val="660033"/>
                 </a:solidFill>
                 <a:latin typeface="微軟正黑體" pitchFamily="34" charset="-120"/>
                 <a:ea typeface="微軟正黑體" pitchFamily="34" charset="-120"/>
               </a:rPr>
-              <a:t>我們</a:t>
-            </a:r>
-            <a:r>
-              <a:rPr lang="zh-TW" altLang="en-US" sz="5400" b="1" dirty="0" smtClean="0">
-                <a:solidFill>
-                  <a:srgbClr val="660033"/>
-                </a:solidFill>
-                <a:latin typeface="微軟正黑體" pitchFamily="34" charset="-120"/>
-                <a:ea typeface="微軟正黑體" pitchFamily="34" charset="-120"/>
-              </a:rPr>
-              <a:t>稱謝祢　祢是我神</a:t>
+              <a:t>我們稱謝祢　祢是我神</a:t>
             </a:r>
             <a:endParaRPr lang="zh-TW" altLang="en-US" sz="5400" b="1" dirty="0">
               <a:solidFill>

--- a/這是耶和華所定日子(崇拜版).pptx
+++ b/這是耶和華所定日子(崇拜版).pptx
@@ -5,9 +5,15 @@
     <p:sldMasterId id="2147483677" r:id="rId1"/>
   </p:sldMasterIdLst>
   <p:sldIdLst>
-    <p:sldId id="256" r:id="rId2"/>
-    <p:sldId id="257" r:id="rId3"/>
-    <p:sldId id="258" r:id="rId4"/>
+    <p:sldId id="259" r:id="rId2"/>
+    <p:sldId id="260" r:id="rId3"/>
+    <p:sldId id="261" r:id="rId4"/>
+    <p:sldId id="262" r:id="rId5"/>
+    <p:sldId id="263" r:id="rId6"/>
+    <p:sldId id="264" r:id="rId7"/>
+    <p:sldId id="265" r:id="rId8"/>
+    <p:sldId id="266" r:id="rId9"/>
+    <p:sldId id="267" r:id="rId10"/>
   </p:sldIdLst>
   <p:sldSz cx="12192000" cy="6858000"/>
   <p:notesSz cx="6858000" cy="9144000"/>
@@ -306,7 +312,7 @@
           <a:p>
             <a:fld id="{A3BB3220-857D-4A62-B48C-0094D705FBD3}" type="datetimeFigureOut">
               <a:rPr lang="zh-TW" altLang="en-US" smtClean="0"/>
-              <a:t>2020/1/18</a:t>
+              <a:t>2020/10/16</a:t>
             </a:fld>
             <a:endParaRPr lang="zh-TW" altLang="en-US"/>
           </a:p>
@@ -471,7 +477,7 @@
           <a:p>
             <a:fld id="{A3BB3220-857D-4A62-B48C-0094D705FBD3}" type="datetimeFigureOut">
               <a:rPr lang="zh-TW" altLang="en-US" smtClean="0"/>
-              <a:t>2020/1/18</a:t>
+              <a:t>2020/10/16</a:t>
             </a:fld>
             <a:endParaRPr lang="zh-TW" altLang="en-US"/>
           </a:p>
@@ -646,7 +652,7 @@
           <a:p>
             <a:fld id="{A3BB3220-857D-4A62-B48C-0094D705FBD3}" type="datetimeFigureOut">
               <a:rPr lang="zh-TW" altLang="en-US" smtClean="0"/>
-              <a:t>2020/1/18</a:t>
+              <a:t>2020/10/16</a:t>
             </a:fld>
             <a:endParaRPr lang="zh-TW" altLang="en-US"/>
           </a:p>
@@ -811,7 +817,7 @@
           <a:p>
             <a:fld id="{A3BB3220-857D-4A62-B48C-0094D705FBD3}" type="datetimeFigureOut">
               <a:rPr lang="zh-TW" altLang="en-US" smtClean="0"/>
-              <a:t>2020/1/18</a:t>
+              <a:t>2020/10/16</a:t>
             </a:fld>
             <a:endParaRPr lang="zh-TW" altLang="en-US"/>
           </a:p>
@@ -1052,7 +1058,7 @@
           <a:p>
             <a:fld id="{A3BB3220-857D-4A62-B48C-0094D705FBD3}" type="datetimeFigureOut">
               <a:rPr lang="zh-TW" altLang="en-US" smtClean="0"/>
-              <a:t>2020/1/18</a:t>
+              <a:t>2020/10/16</a:t>
             </a:fld>
             <a:endParaRPr lang="zh-TW" altLang="en-US"/>
           </a:p>
@@ -1335,7 +1341,7 @@
           <a:p>
             <a:fld id="{A3BB3220-857D-4A62-B48C-0094D705FBD3}" type="datetimeFigureOut">
               <a:rPr lang="zh-TW" altLang="en-US" smtClean="0"/>
-              <a:t>2020/1/18</a:t>
+              <a:t>2020/10/16</a:t>
             </a:fld>
             <a:endParaRPr lang="zh-TW" altLang="en-US"/>
           </a:p>
@@ -1752,7 +1758,7 @@
           <a:p>
             <a:fld id="{A3BB3220-857D-4A62-B48C-0094D705FBD3}" type="datetimeFigureOut">
               <a:rPr lang="zh-TW" altLang="en-US" smtClean="0"/>
-              <a:t>2020/1/18</a:t>
+              <a:t>2020/10/16</a:t>
             </a:fld>
             <a:endParaRPr lang="zh-TW" altLang="en-US"/>
           </a:p>
@@ -1865,7 +1871,7 @@
           <a:p>
             <a:fld id="{A3BB3220-857D-4A62-B48C-0094D705FBD3}" type="datetimeFigureOut">
               <a:rPr lang="zh-TW" altLang="en-US" smtClean="0"/>
-              <a:t>2020/1/18</a:t>
+              <a:t>2020/10/16</a:t>
             </a:fld>
             <a:endParaRPr lang="zh-TW" altLang="en-US"/>
           </a:p>
@@ -1955,7 +1961,7 @@
           <a:p>
             <a:fld id="{A3BB3220-857D-4A62-B48C-0094D705FBD3}" type="datetimeFigureOut">
               <a:rPr lang="zh-TW" altLang="en-US" smtClean="0"/>
-              <a:t>2020/1/18</a:t>
+              <a:t>2020/10/16</a:t>
             </a:fld>
             <a:endParaRPr lang="zh-TW" altLang="en-US"/>
           </a:p>
@@ -2227,7 +2233,7 @@
           <a:p>
             <a:fld id="{A3BB3220-857D-4A62-B48C-0094D705FBD3}" type="datetimeFigureOut">
               <a:rPr lang="zh-TW" altLang="en-US" smtClean="0"/>
-              <a:t>2020/1/18</a:t>
+              <a:t>2020/10/16</a:t>
             </a:fld>
             <a:endParaRPr lang="zh-TW" altLang="en-US"/>
           </a:p>
@@ -2479,7 +2485,7 @@
           <a:p>
             <a:fld id="{A3BB3220-857D-4A62-B48C-0094D705FBD3}" type="datetimeFigureOut">
               <a:rPr lang="zh-TW" altLang="en-US" smtClean="0"/>
-              <a:t>2020/1/18</a:t>
+              <a:t>2020/10/16</a:t>
             </a:fld>
             <a:endParaRPr lang="zh-TW" altLang="en-US"/>
           </a:p>
@@ -2692,7 +2698,7 @@
           <a:p>
             <a:fld id="{A3BB3220-857D-4A62-B48C-0094D705FBD3}" type="datetimeFigureOut">
               <a:rPr lang="zh-TW" altLang="en-US" smtClean="0"/>
-              <a:t>2020/1/18</a:t>
+              <a:t>2020/10/16</a:t>
             </a:fld>
             <a:endParaRPr lang="zh-TW" altLang="en-US"/>
           </a:p>
@@ -3072,192 +3078,61 @@
             <p:ph type="title"/>
           </p:nvPr>
         </p:nvSpPr>
-        <p:spPr/>
+        <p:spPr>
+          <a:xfrm>
+            <a:off x="0" y="2857513"/>
+            <a:ext cx="12192000" cy="1143000"/>
+          </a:xfrm>
+        </p:spPr>
         <p:txBody>
           <a:bodyPr>
-            <a:normAutofit/>
+            <a:noAutofit/>
           </a:bodyPr>
           <a:lstStyle/>
           <a:p>
             <a:r>
-              <a:rPr lang="zh-TW" altLang="en-US" b="1" dirty="0" smtClean="0">
+              <a:rPr lang="zh-TW" altLang="en-US" sz="7200" b="1" i="1" dirty="0">
                 <a:solidFill>
-                  <a:srgbClr val="660033"/>
+                  <a:srgbClr val="000066"/>
                 </a:solidFill>
+                <a:effectLst>
+                  <a:outerShdw blurRad="38100" dist="38100" dir="2700000" algn="tl">
+                    <a:srgbClr val="000000">
+                      <a:alpha val="43137"/>
+                    </a:srgbClr>
+                  </a:outerShdw>
+                </a:effectLst>
                 <a:latin typeface="微軟正黑體" pitchFamily="34" charset="-120"/>
                 <a:ea typeface="微軟正黑體" pitchFamily="34" charset="-120"/>
               </a:rPr>
-              <a:t>這是耶和華所定日子</a:t>
-            </a:r>
-            <a:endParaRPr lang="zh-TW" altLang="en-US" b="1" dirty="0">
-              <a:solidFill>
-                <a:srgbClr val="660033"/>
-              </a:solidFill>
-              <a:latin typeface="微軟正黑體" pitchFamily="34" charset="-120"/>
-              <a:ea typeface="微軟正黑體" pitchFamily="34" charset="-120"/>
-            </a:endParaRPr>
-          </a:p>
-        </p:txBody>
-      </p:sp>
-      <p:sp>
-        <p:nvSpPr>
-          <p:cNvPr id="5" name="內容版面配置區 4"/>
-          <p:cNvSpPr>
-            <a:spLocks noGrp="1"/>
-          </p:cNvSpPr>
-          <p:nvPr>
-            <p:ph idx="1"/>
-          </p:nvPr>
-        </p:nvSpPr>
-        <p:spPr/>
-        <p:txBody>
-          <a:bodyPr>
-            <a:noAutofit/>
-          </a:bodyPr>
-          <a:lstStyle/>
-          <a:p>
-            <a:pPr algn="ctr">
-              <a:buNone/>
-            </a:pPr>
-            <a:r>
-              <a:rPr lang="zh-TW" altLang="en-US" sz="5400" b="1" dirty="0">
+              <a:t>這</a:t>
+            </a:r>
+            <a:r>
+              <a:rPr lang="zh-TW" altLang="en-US" sz="7200" b="1" i="1" dirty="0">
                 <a:solidFill>
-                  <a:srgbClr val="660033"/>
+                  <a:srgbClr val="000066"/>
                 </a:solidFill>
+                <a:effectLst>
+                  <a:outerShdw blurRad="38100" dist="38100" dir="2700000" algn="tl">
+                    <a:srgbClr val="000000">
+                      <a:alpha val="43137"/>
+                    </a:srgbClr>
+                  </a:outerShdw>
+                </a:effectLst>
                 <a:latin typeface="微軟正黑體" pitchFamily="34" charset="-120"/>
                 <a:ea typeface="微軟正黑體" pitchFamily="34" charset="-120"/>
               </a:rPr>
-              <a:t>這是耶和華所定日子</a:t>
-            </a:r>
-            <a:endParaRPr lang="en-US" altLang="zh-TW" sz="5400" b="1" dirty="0">
-              <a:solidFill>
-                <a:srgbClr val="660033"/>
-              </a:solidFill>
-              <a:latin typeface="微軟正黑體" pitchFamily="34" charset="-120"/>
-              <a:ea typeface="微軟正黑體" pitchFamily="34" charset="-120"/>
-            </a:endParaRPr>
-          </a:p>
-          <a:p>
-            <a:pPr algn="ctr">
-              <a:buNone/>
-            </a:pPr>
-            <a:r>
-              <a:rPr lang="zh-TW" altLang="en-US" sz="5400" b="1" dirty="0">
-                <a:solidFill>
-                  <a:srgbClr val="660033"/>
-                </a:solidFill>
-                <a:latin typeface="微軟正黑體" pitchFamily="34" charset="-120"/>
-                <a:ea typeface="微軟正黑體" pitchFamily="34" charset="-120"/>
-              </a:rPr>
-              <a:t>神的兒女當歡呼喜樂</a:t>
-            </a:r>
-            <a:endParaRPr lang="en-US" altLang="zh-TW" sz="5400" b="1" dirty="0">
-              <a:solidFill>
-                <a:srgbClr val="660033"/>
-              </a:solidFill>
-              <a:latin typeface="微軟正黑體" pitchFamily="34" charset="-120"/>
-              <a:ea typeface="微軟正黑體" pitchFamily="34" charset="-120"/>
-            </a:endParaRPr>
-          </a:p>
-          <a:p>
-            <a:pPr algn="ctr">
-              <a:buNone/>
-            </a:pPr>
-            <a:r>
-              <a:rPr lang="zh-TW" altLang="en-US" sz="5400" b="1" dirty="0">
-                <a:solidFill>
-                  <a:srgbClr val="660033"/>
-                </a:solidFill>
-                <a:latin typeface="微軟正黑體" pitchFamily="34" charset="-120"/>
-                <a:ea typeface="微軟正黑體" pitchFamily="34" charset="-120"/>
-              </a:rPr>
-              <a:t>耶和華已戰勝仇敵</a:t>
-            </a:r>
-            <a:endParaRPr lang="en-US" altLang="zh-TW" sz="5400" b="1" dirty="0">
-              <a:solidFill>
-                <a:srgbClr val="660033"/>
-              </a:solidFill>
-              <a:latin typeface="微軟正黑體" pitchFamily="34" charset="-120"/>
-              <a:ea typeface="微軟正黑體" pitchFamily="34" charset="-120"/>
-            </a:endParaRPr>
-          </a:p>
-          <a:p>
-            <a:pPr algn="ctr">
-              <a:buNone/>
-            </a:pPr>
-            <a:r>
-              <a:rPr lang="zh-TW" altLang="en-US" sz="5400" b="1" dirty="0">
-                <a:solidFill>
-                  <a:srgbClr val="660033"/>
-                </a:solidFill>
-                <a:latin typeface="微軟正黑體" pitchFamily="34" charset="-120"/>
-                <a:ea typeface="微軟正黑體" pitchFamily="34" charset="-120"/>
-              </a:rPr>
-              <a:t>戰勝仇敵 全地大聲歡</a:t>
-            </a:r>
-            <a:r>
-              <a:rPr lang="zh-TW" altLang="en-US" sz="5400" b="1" dirty="0" smtClean="0">
-                <a:solidFill>
-                  <a:srgbClr val="660033"/>
-                </a:solidFill>
-                <a:latin typeface="微軟正黑體" pitchFamily="34" charset="-120"/>
-                <a:ea typeface="微軟正黑體" pitchFamily="34" charset="-120"/>
-              </a:rPr>
-              <a:t>呼</a:t>
-            </a:r>
-            <a:endParaRPr lang="en-US" altLang="zh-TW" sz="5400" b="1" dirty="0" smtClean="0">
-              <a:solidFill>
-                <a:srgbClr val="660033"/>
-              </a:solidFill>
-              <a:latin typeface="微軟正黑體" pitchFamily="34" charset="-120"/>
-              <a:ea typeface="微軟正黑體" pitchFamily="34" charset="-120"/>
-            </a:endParaRPr>
-          </a:p>
-          <a:p>
-            <a:pPr algn="ctr">
-              <a:buNone/>
-            </a:pPr>
-            <a:r>
-              <a:rPr lang="zh-CN" altLang="en-US" sz="4000" b="1" dirty="0" smtClean="0">
-                <a:solidFill>
-                  <a:srgbClr val="660033"/>
-                </a:solidFill>
-                <a:latin typeface="微軟正黑體" pitchFamily="34" charset="-120"/>
-                <a:ea typeface="微軟正黑體" pitchFamily="34" charset="-120"/>
-              </a:rPr>
-              <a:t>（</a:t>
-            </a:r>
-            <a:r>
-              <a:rPr lang="en-US" altLang="zh-CN" sz="4000" b="1" dirty="0" smtClean="0">
-                <a:solidFill>
-                  <a:srgbClr val="660033"/>
-                </a:solidFill>
-                <a:latin typeface="微軟正黑體" pitchFamily="34" charset="-120"/>
-                <a:ea typeface="微軟正黑體" pitchFamily="34" charset="-120"/>
-              </a:rPr>
-              <a:t>x2</a:t>
-            </a:r>
-            <a:r>
-              <a:rPr lang="zh-CN" altLang="en-US" sz="4000" b="1" dirty="0" smtClean="0">
-                <a:solidFill>
-                  <a:srgbClr val="660033"/>
-                </a:solidFill>
-                <a:latin typeface="微軟正黑體" pitchFamily="34" charset="-120"/>
-                <a:ea typeface="微軟正黑體" pitchFamily="34" charset="-120"/>
-              </a:rPr>
-              <a:t>）</a:t>
-            </a:r>
-            <a:endParaRPr lang="zh-TW" altLang="en-US" sz="4000" b="1" dirty="0">
-              <a:solidFill>
-                <a:srgbClr val="660033"/>
-              </a:solidFill>
-              <a:latin typeface="微軟正黑體" pitchFamily="34" charset="-120"/>
-              <a:ea typeface="微軟正黑體" pitchFamily="34" charset="-120"/>
-            </a:endParaRPr>
+              <a:t>是耶和華所定日子</a:t>
+            </a:r>
           </a:p>
         </p:txBody>
       </p:sp>
     </p:spTree>
+    <p:extLst>
+      <p:ext uri="{BB962C8B-B14F-4D97-AF65-F5344CB8AC3E}">
+        <p14:creationId xmlns:p14="http://schemas.microsoft.com/office/powerpoint/2010/main" val="2687998893"/>
+      </p:ext>
+    </p:extLst>
   </p:cSld>
   <p:clrMapOvr>
     <a:masterClrMapping/>
@@ -3284,148 +3159,77 @@
       </p:grpSpPr>
       <p:sp>
         <p:nvSpPr>
-          <p:cNvPr id="4" name="標題 3"/>
-          <p:cNvSpPr>
-            <a:spLocks noGrp="1"/>
-          </p:cNvSpPr>
-          <p:nvPr>
-            <p:ph type="title"/>
-          </p:nvPr>
-        </p:nvSpPr>
-        <p:spPr/>
-        <p:txBody>
-          <a:bodyPr>
+          <p:cNvPr id="5" name="內容版面配置區 4"/>
+          <p:cNvSpPr>
+            <a:spLocks noGrp="1"/>
+          </p:cNvSpPr>
+          <p:nvPr>
+            <p:ph idx="1"/>
+          </p:nvPr>
+        </p:nvSpPr>
+        <p:spPr>
+          <a:xfrm>
+            <a:off x="0" y="2084851"/>
+            <a:ext cx="12192000" cy="2404863"/>
+          </a:xfrm>
+        </p:spPr>
+        <p:txBody>
+          <a:bodyPr anchor="ctr">
             <a:normAutofit/>
           </a:bodyPr>
           <a:lstStyle/>
           <a:p>
-            <a:r>
-              <a:rPr lang="zh-TW" altLang="en-US" b="1" dirty="0" smtClean="0">
+            <a:pPr algn="ctr">
+              <a:buNone/>
+            </a:pPr>
+            <a:r>
+              <a:rPr lang="zh-TW" altLang="en-US" sz="6400" b="1" dirty="0">
                 <a:solidFill>
-                  <a:srgbClr val="660033"/>
+                  <a:srgbClr val="000066"/>
                 </a:solidFill>
                 <a:latin typeface="微軟正黑體" pitchFamily="34" charset="-120"/>
                 <a:ea typeface="微軟正黑體" pitchFamily="34" charset="-120"/>
               </a:rPr>
               <a:t>這是耶和華所定日子</a:t>
             </a:r>
-            <a:endParaRPr lang="zh-TW" altLang="en-US" b="1" dirty="0">
+            <a:endParaRPr lang="en-US" altLang="zh-TW" sz="6400" b="1" dirty="0">
               <a:solidFill>
-                <a:srgbClr val="660033"/>
+                <a:srgbClr val="000066"/>
               </a:solidFill>
               <a:latin typeface="微軟正黑體" pitchFamily="34" charset="-120"/>
               <a:ea typeface="微軟正黑體" pitchFamily="34" charset="-120"/>
             </a:endParaRPr>
           </a:p>
-        </p:txBody>
-      </p:sp>
-      <p:sp>
-        <p:nvSpPr>
-          <p:cNvPr id="5" name="內容版面配置區 4"/>
-          <p:cNvSpPr>
-            <a:spLocks noGrp="1"/>
-          </p:cNvSpPr>
-          <p:nvPr>
-            <p:ph idx="1"/>
-          </p:nvPr>
-        </p:nvSpPr>
-        <p:spPr/>
-        <p:txBody>
-          <a:bodyPr>
-            <a:noAutofit/>
-          </a:bodyPr>
-          <a:lstStyle/>
           <a:p>
             <a:pPr algn="ctr">
               <a:buNone/>
             </a:pPr>
             <a:r>
-              <a:rPr lang="zh-TW" altLang="en-US" sz="5400" b="1" dirty="0">
+              <a:rPr lang="zh-TW" altLang="en-US" sz="6400" b="1" dirty="0">
                 <a:solidFill>
-                  <a:srgbClr val="660033"/>
+                  <a:srgbClr val="000066"/>
                 </a:solidFill>
                 <a:latin typeface="微軟正黑體" pitchFamily="34" charset="-120"/>
                 <a:ea typeface="微軟正黑體" pitchFamily="34" charset="-120"/>
               </a:rPr>
-              <a:t>耶和華是我力量</a:t>
-            </a:r>
-            <a:endParaRPr lang="en-US" altLang="zh-TW" sz="5400" b="1" dirty="0">
+              <a:t>神的兒女當歡呼喜樂</a:t>
+            </a:r>
+            <a:endParaRPr lang="en-US" altLang="zh-TW" sz="6400" b="1" dirty="0">
               <a:solidFill>
-                <a:srgbClr val="660033"/>
+                <a:srgbClr val="000066"/>
               </a:solidFill>
               <a:latin typeface="微軟正黑體" pitchFamily="34" charset="-120"/>
               <a:ea typeface="微軟正黑體" pitchFamily="34" charset="-120"/>
             </a:endParaRPr>
           </a:p>
-          <a:p>
-            <a:pPr algn="ctr">
-              <a:buNone/>
-            </a:pPr>
-            <a:r>
-              <a:rPr lang="zh-TW" altLang="en-US" sz="5400" b="1" dirty="0">
-                <a:solidFill>
-                  <a:srgbClr val="660033"/>
-                </a:solidFill>
-                <a:latin typeface="微軟正黑體" pitchFamily="34" charset="-120"/>
-                <a:ea typeface="微軟正黑體" pitchFamily="34" charset="-120"/>
-              </a:rPr>
-              <a:t>我心中一切的盼望</a:t>
-            </a:r>
-            <a:endParaRPr lang="en-US" altLang="zh-TW" sz="5400" b="1" dirty="0">
-              <a:solidFill>
-                <a:srgbClr val="660033"/>
-              </a:solidFill>
-              <a:latin typeface="微軟正黑體" pitchFamily="34" charset="-120"/>
-              <a:ea typeface="微軟正黑體" pitchFamily="34" charset="-120"/>
-            </a:endParaRPr>
-          </a:p>
-          <a:p>
-            <a:pPr algn="ctr">
-              <a:buNone/>
-            </a:pPr>
-            <a:r>
-              <a:rPr lang="zh-TW" altLang="en-US" sz="5400" b="1" dirty="0">
-                <a:solidFill>
-                  <a:srgbClr val="660033"/>
-                </a:solidFill>
-                <a:latin typeface="微軟正黑體" pitchFamily="34" charset="-120"/>
-                <a:ea typeface="微軟正黑體" pitchFamily="34" charset="-120"/>
-              </a:rPr>
-              <a:t>耶和華是我的詩歌</a:t>
-            </a:r>
-            <a:endParaRPr lang="en-US" altLang="zh-TW" sz="5400" b="1" dirty="0">
-              <a:solidFill>
-                <a:srgbClr val="660033"/>
-              </a:solidFill>
-              <a:latin typeface="微軟正黑體" pitchFamily="34" charset="-120"/>
-              <a:ea typeface="微軟正黑體" pitchFamily="34" charset="-120"/>
-            </a:endParaRPr>
-          </a:p>
-          <a:p>
-            <a:pPr algn="ctr">
-              <a:buNone/>
-            </a:pPr>
-            <a:r>
-              <a:rPr lang="zh-TW" altLang="en-US" sz="5400" b="1" dirty="0">
-                <a:solidFill>
-                  <a:srgbClr val="660033"/>
-                </a:solidFill>
-                <a:latin typeface="微軟正黑體" pitchFamily="34" charset="-120"/>
-                <a:ea typeface="微軟正黑體" pitchFamily="34" charset="-120"/>
-              </a:rPr>
-              <a:t>又是我的拯救</a:t>
-            </a:r>
-            <a:endParaRPr lang="zh-TW" altLang="en-US" sz="5400" b="1" dirty="0">
-              <a:solidFill>
-                <a:srgbClr val="660033"/>
-              </a:solidFill>
-              <a:latin typeface="微軟正黑體" pitchFamily="34" charset="-120"/>
-              <a:ea typeface="微軟正黑體" pitchFamily="34" charset="-120"/>
-            </a:endParaRPr>
-          </a:p>
         </p:txBody>
       </p:sp>
     </p:spTree>
+    <p:extLst>
+      <p:ext uri="{BB962C8B-B14F-4D97-AF65-F5344CB8AC3E}">
+        <p14:creationId xmlns:p14="http://schemas.microsoft.com/office/powerpoint/2010/main" val="1364996949"/>
+      </p:ext>
+    </p:extLst>
   </p:cSld>
   <p:clrMapOvr>
     <a:masterClrMapping/>
@@ -3452,41 +3256,198 @@
       </p:grpSpPr>
       <p:sp>
         <p:nvSpPr>
-          <p:cNvPr id="4" name="標題 3"/>
-          <p:cNvSpPr>
-            <a:spLocks noGrp="1"/>
-          </p:cNvSpPr>
-          <p:nvPr>
-            <p:ph type="title"/>
-          </p:nvPr>
-        </p:nvSpPr>
-        <p:spPr/>
-        <p:txBody>
-          <a:bodyPr>
+          <p:cNvPr id="5" name="內容版面配置區 4"/>
+          <p:cNvSpPr>
+            <a:spLocks noGrp="1"/>
+          </p:cNvSpPr>
+          <p:nvPr>
+            <p:ph idx="1"/>
+          </p:nvPr>
+        </p:nvSpPr>
+        <p:spPr>
+          <a:xfrm>
+            <a:off x="0" y="2084851"/>
+            <a:ext cx="12192000" cy="2404863"/>
+          </a:xfrm>
+        </p:spPr>
+        <p:txBody>
+          <a:bodyPr anchor="ctr">
             <a:normAutofit/>
           </a:bodyPr>
           <a:lstStyle/>
           <a:p>
-            <a:r>
-              <a:rPr lang="zh-TW" altLang="en-US" b="1" dirty="0" smtClean="0">
+            <a:pPr algn="ctr">
+              <a:buNone/>
+            </a:pPr>
+            <a:r>
+              <a:rPr lang="zh-TW" altLang="en-US" sz="6400" b="1" dirty="0">
                 <a:solidFill>
-                  <a:srgbClr val="660033"/>
+                  <a:srgbClr val="000066"/>
+                </a:solidFill>
+                <a:latin typeface="微軟正黑體" pitchFamily="34" charset="-120"/>
+                <a:ea typeface="微軟正黑體" pitchFamily="34" charset="-120"/>
+              </a:rPr>
+              <a:t>耶和華已戰勝仇敵</a:t>
+            </a:r>
+            <a:endParaRPr lang="en-US" altLang="zh-TW" sz="6400" b="1" dirty="0">
+              <a:solidFill>
+                <a:srgbClr val="000066"/>
+              </a:solidFill>
+              <a:latin typeface="微軟正黑體" pitchFamily="34" charset="-120"/>
+              <a:ea typeface="微軟正黑體" pitchFamily="34" charset="-120"/>
+            </a:endParaRPr>
+          </a:p>
+          <a:p>
+            <a:pPr algn="ctr">
+              <a:buNone/>
+            </a:pPr>
+            <a:r>
+              <a:rPr lang="zh-TW" altLang="en-US" sz="6400" b="1" dirty="0">
+                <a:solidFill>
+                  <a:srgbClr val="000066"/>
+                </a:solidFill>
+                <a:latin typeface="微軟正黑體" pitchFamily="34" charset="-120"/>
+                <a:ea typeface="微軟正黑體" pitchFamily="34" charset="-120"/>
+              </a:rPr>
+              <a:t>戰勝仇敵  全地大聲歡呼</a:t>
+            </a:r>
+            <a:endParaRPr lang="en-US" altLang="zh-TW" sz="6400" b="1" dirty="0">
+              <a:solidFill>
+                <a:srgbClr val="000066"/>
+              </a:solidFill>
+              <a:latin typeface="微軟正黑體" pitchFamily="34" charset="-120"/>
+              <a:ea typeface="微軟正黑體" pitchFamily="34" charset="-120"/>
+            </a:endParaRPr>
+          </a:p>
+        </p:txBody>
+      </p:sp>
+    </p:spTree>
+    <p:extLst>
+      <p:ext uri="{BB962C8B-B14F-4D97-AF65-F5344CB8AC3E}">
+        <p14:creationId xmlns:p14="http://schemas.microsoft.com/office/powerpoint/2010/main" val="2544231418"/>
+      </p:ext>
+    </p:extLst>
+  </p:cSld>
+  <p:clrMapOvr>
+    <a:masterClrMapping/>
+  </p:clrMapOvr>
+</p:sld>
+</file>
+
+<file path=ppt/slides/slide4.xml><?xml version="1.0" encoding="utf-8"?>
+<p:sld xmlns:a="http://schemas.openxmlformats.org/drawingml/2006/main" xmlns:r="http://schemas.openxmlformats.org/officeDocument/2006/relationships" xmlns:p="http://schemas.openxmlformats.org/presentationml/2006/main">
+  <p:cSld>
+    <p:spTree>
+      <p:nvGrpSpPr>
+        <p:cNvPr id="1" name=""/>
+        <p:cNvGrpSpPr/>
+        <p:nvPr/>
+      </p:nvGrpSpPr>
+      <p:grpSpPr>
+        <a:xfrm>
+          <a:off x="0" y="0"/>
+          <a:ext cx="0" cy="0"/>
+          <a:chOff x="0" y="0"/>
+          <a:chExt cx="0" cy="0"/>
+        </a:xfrm>
+      </p:grpSpPr>
+      <p:sp>
+        <p:nvSpPr>
+          <p:cNvPr id="5" name="內容版面配置區 4"/>
+          <p:cNvSpPr>
+            <a:spLocks noGrp="1"/>
+          </p:cNvSpPr>
+          <p:nvPr>
+            <p:ph idx="1"/>
+          </p:nvPr>
+        </p:nvSpPr>
+        <p:spPr>
+          <a:xfrm>
+            <a:off x="0" y="2084851"/>
+            <a:ext cx="12192000" cy="2404863"/>
+          </a:xfrm>
+        </p:spPr>
+        <p:txBody>
+          <a:bodyPr anchor="ctr">
+            <a:normAutofit/>
+          </a:bodyPr>
+          <a:lstStyle/>
+          <a:p>
+            <a:pPr algn="ctr">
+              <a:buNone/>
+            </a:pPr>
+            <a:r>
+              <a:rPr lang="zh-TW" altLang="en-US" sz="6400" b="1" dirty="0">
+                <a:solidFill>
+                  <a:srgbClr val="000066"/>
                 </a:solidFill>
                 <a:latin typeface="微軟正黑體" pitchFamily="34" charset="-120"/>
                 <a:ea typeface="微軟正黑體" pitchFamily="34" charset="-120"/>
               </a:rPr>
               <a:t>這是耶和華所定日子</a:t>
             </a:r>
-            <a:endParaRPr lang="zh-TW" altLang="en-US" b="1" dirty="0">
+            <a:endParaRPr lang="en-US" altLang="zh-TW" sz="6400" b="1" dirty="0">
               <a:solidFill>
-                <a:srgbClr val="660033"/>
+                <a:srgbClr val="000066"/>
               </a:solidFill>
               <a:latin typeface="微軟正黑體" pitchFamily="34" charset="-120"/>
               <a:ea typeface="微軟正黑體" pitchFamily="34" charset="-120"/>
             </a:endParaRPr>
           </a:p>
-        </p:txBody>
-      </p:sp>
+          <a:p>
+            <a:pPr algn="ctr">
+              <a:buNone/>
+            </a:pPr>
+            <a:r>
+              <a:rPr lang="zh-TW" altLang="en-US" sz="6400" b="1" dirty="0">
+                <a:solidFill>
+                  <a:srgbClr val="000066"/>
+                </a:solidFill>
+                <a:latin typeface="微軟正黑體" pitchFamily="34" charset="-120"/>
+                <a:ea typeface="微軟正黑體" pitchFamily="34" charset="-120"/>
+              </a:rPr>
+              <a:t>神的兒女當歡呼喜樂</a:t>
+            </a:r>
+            <a:endParaRPr lang="en-US" altLang="zh-TW" sz="6400" b="1" dirty="0">
+              <a:solidFill>
+                <a:srgbClr val="000066"/>
+              </a:solidFill>
+              <a:latin typeface="微軟正黑體" pitchFamily="34" charset="-120"/>
+              <a:ea typeface="微軟正黑體" pitchFamily="34" charset="-120"/>
+            </a:endParaRPr>
+          </a:p>
+        </p:txBody>
+      </p:sp>
+    </p:spTree>
+    <p:extLst>
+      <p:ext uri="{BB962C8B-B14F-4D97-AF65-F5344CB8AC3E}">
+        <p14:creationId xmlns:p14="http://schemas.microsoft.com/office/powerpoint/2010/main" val="75528937"/>
+      </p:ext>
+    </p:extLst>
+  </p:cSld>
+  <p:clrMapOvr>
+    <a:masterClrMapping/>
+  </p:clrMapOvr>
+</p:sld>
+</file>
+
+<file path=ppt/slides/slide5.xml><?xml version="1.0" encoding="utf-8"?>
+<p:sld xmlns:a="http://schemas.openxmlformats.org/drawingml/2006/main" xmlns:r="http://schemas.openxmlformats.org/officeDocument/2006/relationships" xmlns:p="http://schemas.openxmlformats.org/presentationml/2006/main">
+  <p:cSld>
+    <p:spTree>
+      <p:nvGrpSpPr>
+        <p:cNvPr id="1" name=""/>
+        <p:cNvGrpSpPr/>
+        <p:nvPr/>
+      </p:nvGrpSpPr>
+      <p:grpSpPr>
+        <a:xfrm>
+          <a:off x="0" y="0"/>
+          <a:ext cx="0" cy="0"/>
+          <a:chOff x="0" y="0"/>
+          <a:chExt cx="0" cy="0"/>
+        </a:xfrm>
+      </p:grpSpPr>
       <p:sp>
         <p:nvSpPr>
           <p:cNvPr id="5" name="內容版面配置區 4"/>
@@ -3497,10 +3458,15 @@
             <p:ph idx="1"/>
           </p:nvPr>
         </p:nvSpPr>
-        <p:spPr/>
-        <p:txBody>
-          <a:bodyPr>
-            <a:noAutofit/>
+        <p:spPr>
+          <a:xfrm>
+            <a:off x="0" y="2084851"/>
+            <a:ext cx="12192000" cy="2404863"/>
+          </a:xfrm>
+        </p:spPr>
+        <p:txBody>
+          <a:bodyPr anchor="ctr">
+            <a:normAutofit/>
           </a:bodyPr>
           <a:lstStyle/>
           <a:p>
@@ -3508,18 +3474,309 @@
               <a:buNone/>
             </a:pPr>
             <a:r>
-              <a:rPr lang="zh-TW" altLang="en-US" sz="5400" b="1" dirty="0">
+              <a:rPr lang="zh-TW" altLang="en-US" sz="6400" b="1" dirty="0">
                 <a:solidFill>
-                  <a:srgbClr val="660033"/>
+                  <a:srgbClr val="000066"/>
+                </a:solidFill>
+                <a:latin typeface="微軟正黑體" pitchFamily="34" charset="-120"/>
+                <a:ea typeface="微軟正黑體" pitchFamily="34" charset="-120"/>
+              </a:rPr>
+              <a:t>耶和華已戰勝仇敵</a:t>
+            </a:r>
+            <a:endParaRPr lang="en-US" altLang="zh-TW" sz="6400" b="1" dirty="0">
+              <a:solidFill>
+                <a:srgbClr val="000066"/>
+              </a:solidFill>
+              <a:latin typeface="微軟正黑體" pitchFamily="34" charset="-120"/>
+              <a:ea typeface="微軟正黑體" pitchFamily="34" charset="-120"/>
+            </a:endParaRPr>
+          </a:p>
+          <a:p>
+            <a:pPr algn="ctr">
+              <a:buNone/>
+            </a:pPr>
+            <a:r>
+              <a:rPr lang="zh-TW" altLang="en-US" sz="6400" b="1" dirty="0">
+                <a:solidFill>
+                  <a:srgbClr val="000066"/>
+                </a:solidFill>
+                <a:latin typeface="微軟正黑體" pitchFamily="34" charset="-120"/>
+                <a:ea typeface="微軟正黑體" pitchFamily="34" charset="-120"/>
+              </a:rPr>
+              <a:t>戰勝仇敵  全地大聲歡呼</a:t>
+            </a:r>
+            <a:endParaRPr lang="en-US" altLang="zh-TW" sz="6400" b="1" dirty="0">
+              <a:solidFill>
+                <a:srgbClr val="000066"/>
+              </a:solidFill>
+              <a:latin typeface="微軟正黑體" pitchFamily="34" charset="-120"/>
+              <a:ea typeface="微軟正黑體" pitchFamily="34" charset="-120"/>
+            </a:endParaRPr>
+          </a:p>
+        </p:txBody>
+      </p:sp>
+    </p:spTree>
+    <p:extLst>
+      <p:ext uri="{BB962C8B-B14F-4D97-AF65-F5344CB8AC3E}">
+        <p14:creationId xmlns:p14="http://schemas.microsoft.com/office/powerpoint/2010/main" val="3438888601"/>
+      </p:ext>
+    </p:extLst>
+  </p:cSld>
+  <p:clrMapOvr>
+    <a:masterClrMapping/>
+  </p:clrMapOvr>
+</p:sld>
+</file>
+
+<file path=ppt/slides/slide6.xml><?xml version="1.0" encoding="utf-8"?>
+<p:sld xmlns:a="http://schemas.openxmlformats.org/drawingml/2006/main" xmlns:r="http://schemas.openxmlformats.org/officeDocument/2006/relationships" xmlns:p="http://schemas.openxmlformats.org/presentationml/2006/main">
+  <p:cSld>
+    <p:spTree>
+      <p:nvGrpSpPr>
+        <p:cNvPr id="1" name=""/>
+        <p:cNvGrpSpPr/>
+        <p:nvPr/>
+      </p:nvGrpSpPr>
+      <p:grpSpPr>
+        <a:xfrm>
+          <a:off x="0" y="0"/>
+          <a:ext cx="0" cy="0"/>
+          <a:chOff x="0" y="0"/>
+          <a:chExt cx="0" cy="0"/>
+        </a:xfrm>
+      </p:grpSpPr>
+      <p:sp>
+        <p:nvSpPr>
+          <p:cNvPr id="5" name="內容版面配置區 4"/>
+          <p:cNvSpPr>
+            <a:spLocks noGrp="1"/>
+          </p:cNvSpPr>
+          <p:nvPr>
+            <p:ph idx="1"/>
+          </p:nvPr>
+        </p:nvSpPr>
+        <p:spPr>
+          <a:xfrm>
+            <a:off x="0" y="2084851"/>
+            <a:ext cx="12192000" cy="2404863"/>
+          </a:xfrm>
+        </p:spPr>
+        <p:txBody>
+          <a:bodyPr anchor="ctr">
+            <a:normAutofit/>
+          </a:bodyPr>
+          <a:lstStyle/>
+          <a:p>
+            <a:pPr algn="ctr">
+              <a:buNone/>
+            </a:pPr>
+            <a:r>
+              <a:rPr lang="zh-TW" altLang="en-US" sz="6400" b="1" dirty="0">
+                <a:solidFill>
+                  <a:srgbClr val="000066"/>
+                </a:solidFill>
+                <a:latin typeface="微軟正黑體" pitchFamily="34" charset="-120"/>
+                <a:ea typeface="微軟正黑體" pitchFamily="34" charset="-120"/>
+              </a:rPr>
+              <a:t>耶和華是我力量</a:t>
+            </a:r>
+            <a:endParaRPr lang="en-US" altLang="zh-TW" sz="6400" b="1" dirty="0">
+              <a:solidFill>
+                <a:srgbClr val="000066"/>
+              </a:solidFill>
+              <a:latin typeface="微軟正黑體" pitchFamily="34" charset="-120"/>
+              <a:ea typeface="微軟正黑體" pitchFamily="34" charset="-120"/>
+            </a:endParaRPr>
+          </a:p>
+          <a:p>
+            <a:pPr algn="ctr">
+              <a:buNone/>
+            </a:pPr>
+            <a:r>
+              <a:rPr lang="zh-TW" altLang="en-US" sz="6400" b="1" dirty="0">
+                <a:solidFill>
+                  <a:srgbClr val="000066"/>
+                </a:solidFill>
+                <a:latin typeface="微軟正黑體" pitchFamily="34" charset="-120"/>
+                <a:ea typeface="微軟正黑體" pitchFamily="34" charset="-120"/>
+              </a:rPr>
+              <a:t>我心中一切的盼望</a:t>
+            </a:r>
+            <a:endParaRPr lang="en-US" altLang="zh-TW" sz="6400" b="1" dirty="0">
+              <a:solidFill>
+                <a:srgbClr val="000066"/>
+              </a:solidFill>
+              <a:latin typeface="微軟正黑體" pitchFamily="34" charset="-120"/>
+              <a:ea typeface="微軟正黑體" pitchFamily="34" charset="-120"/>
+            </a:endParaRPr>
+          </a:p>
+        </p:txBody>
+      </p:sp>
+    </p:spTree>
+    <p:extLst>
+      <p:ext uri="{BB962C8B-B14F-4D97-AF65-F5344CB8AC3E}">
+        <p14:creationId xmlns:p14="http://schemas.microsoft.com/office/powerpoint/2010/main" val="2789846915"/>
+      </p:ext>
+    </p:extLst>
+  </p:cSld>
+  <p:clrMapOvr>
+    <a:masterClrMapping/>
+  </p:clrMapOvr>
+</p:sld>
+</file>
+
+<file path=ppt/slides/slide7.xml><?xml version="1.0" encoding="utf-8"?>
+<p:sld xmlns:a="http://schemas.openxmlformats.org/drawingml/2006/main" xmlns:r="http://schemas.openxmlformats.org/officeDocument/2006/relationships" xmlns:p="http://schemas.openxmlformats.org/presentationml/2006/main">
+  <p:cSld>
+    <p:spTree>
+      <p:nvGrpSpPr>
+        <p:cNvPr id="1" name=""/>
+        <p:cNvGrpSpPr/>
+        <p:nvPr/>
+      </p:nvGrpSpPr>
+      <p:grpSpPr>
+        <a:xfrm>
+          <a:off x="0" y="0"/>
+          <a:ext cx="0" cy="0"/>
+          <a:chOff x="0" y="0"/>
+          <a:chExt cx="0" cy="0"/>
+        </a:xfrm>
+      </p:grpSpPr>
+      <p:sp>
+        <p:nvSpPr>
+          <p:cNvPr id="5" name="內容版面配置區 4"/>
+          <p:cNvSpPr>
+            <a:spLocks noGrp="1"/>
+          </p:cNvSpPr>
+          <p:nvPr>
+            <p:ph idx="1"/>
+          </p:nvPr>
+        </p:nvSpPr>
+        <p:spPr>
+          <a:xfrm>
+            <a:off x="0" y="2084851"/>
+            <a:ext cx="12192000" cy="2404863"/>
+          </a:xfrm>
+        </p:spPr>
+        <p:txBody>
+          <a:bodyPr anchor="ctr">
+            <a:normAutofit/>
+          </a:bodyPr>
+          <a:lstStyle/>
+          <a:p>
+            <a:pPr algn="ctr">
+              <a:buNone/>
+            </a:pPr>
+            <a:r>
+              <a:rPr lang="zh-TW" altLang="en-US" sz="6400" b="1" dirty="0">
+                <a:solidFill>
+                  <a:srgbClr val="000066"/>
+                </a:solidFill>
+                <a:latin typeface="微軟正黑體" pitchFamily="34" charset="-120"/>
+                <a:ea typeface="微軟正黑體" pitchFamily="34" charset="-120"/>
+              </a:rPr>
+              <a:t>耶和華是我的詩歌</a:t>
+            </a:r>
+            <a:endParaRPr lang="en-US" altLang="zh-TW" sz="6400" b="1" dirty="0">
+              <a:solidFill>
+                <a:srgbClr val="000066"/>
+              </a:solidFill>
+              <a:latin typeface="微軟正黑體" pitchFamily="34" charset="-120"/>
+              <a:ea typeface="微軟正黑體" pitchFamily="34" charset="-120"/>
+            </a:endParaRPr>
+          </a:p>
+          <a:p>
+            <a:pPr algn="ctr">
+              <a:buNone/>
+            </a:pPr>
+            <a:r>
+              <a:rPr lang="zh-TW" altLang="en-US" sz="6400" b="1" dirty="0">
+                <a:solidFill>
+                  <a:srgbClr val="000066"/>
+                </a:solidFill>
+                <a:latin typeface="微軟正黑體" pitchFamily="34" charset="-120"/>
+                <a:ea typeface="微軟正黑體" pitchFamily="34" charset="-120"/>
+              </a:rPr>
+              <a:t>又是我的拯救</a:t>
+            </a:r>
+            <a:endParaRPr lang="zh-TW" altLang="en-US" sz="6400" b="1" dirty="0">
+              <a:solidFill>
+                <a:srgbClr val="000066"/>
+              </a:solidFill>
+              <a:latin typeface="微軟正黑體" pitchFamily="34" charset="-120"/>
+              <a:ea typeface="微軟正黑體" pitchFamily="34" charset="-120"/>
+            </a:endParaRPr>
+          </a:p>
+        </p:txBody>
+      </p:sp>
+    </p:spTree>
+    <p:extLst>
+      <p:ext uri="{BB962C8B-B14F-4D97-AF65-F5344CB8AC3E}">
+        <p14:creationId xmlns:p14="http://schemas.microsoft.com/office/powerpoint/2010/main" val="2576394238"/>
+      </p:ext>
+    </p:extLst>
+  </p:cSld>
+  <p:clrMapOvr>
+    <a:masterClrMapping/>
+  </p:clrMapOvr>
+</p:sld>
+</file>
+
+<file path=ppt/slides/slide8.xml><?xml version="1.0" encoding="utf-8"?>
+<p:sld xmlns:a="http://schemas.openxmlformats.org/drawingml/2006/main" xmlns:r="http://schemas.openxmlformats.org/officeDocument/2006/relationships" xmlns:p="http://schemas.openxmlformats.org/presentationml/2006/main">
+  <p:cSld>
+    <p:spTree>
+      <p:nvGrpSpPr>
+        <p:cNvPr id="1" name=""/>
+        <p:cNvGrpSpPr/>
+        <p:nvPr/>
+      </p:nvGrpSpPr>
+      <p:grpSpPr>
+        <a:xfrm>
+          <a:off x="0" y="0"/>
+          <a:ext cx="0" cy="0"/>
+          <a:chOff x="0" y="0"/>
+          <a:chExt cx="0" cy="0"/>
+        </a:xfrm>
+      </p:grpSpPr>
+      <p:sp>
+        <p:nvSpPr>
+          <p:cNvPr id="5" name="內容版面配置區 4"/>
+          <p:cNvSpPr>
+            <a:spLocks noGrp="1"/>
+          </p:cNvSpPr>
+          <p:nvPr>
+            <p:ph idx="1"/>
+          </p:nvPr>
+        </p:nvSpPr>
+        <p:spPr>
+          <a:xfrm>
+            <a:off x="0" y="2084851"/>
+            <a:ext cx="12192000" cy="2404863"/>
+          </a:xfrm>
+        </p:spPr>
+        <p:txBody>
+          <a:bodyPr anchor="ctr">
+            <a:normAutofit/>
+          </a:bodyPr>
+          <a:lstStyle/>
+          <a:p>
+            <a:pPr algn="ctr">
+              <a:buNone/>
+            </a:pPr>
+            <a:r>
+              <a:rPr lang="zh-TW" altLang="en-US" sz="6400" b="1" dirty="0">
+                <a:solidFill>
+                  <a:srgbClr val="000066"/>
                 </a:solidFill>
                 <a:latin typeface="微軟正黑體" pitchFamily="34" charset="-120"/>
                 <a:ea typeface="微軟正黑體" pitchFamily="34" charset="-120"/>
               </a:rPr>
               <a:t>神子民行走全地</a:t>
             </a:r>
-            <a:endParaRPr lang="en-US" altLang="zh-TW" sz="5400" b="1" dirty="0">
+            <a:endParaRPr lang="en-US" altLang="zh-TW" sz="6400" b="1" dirty="0">
               <a:solidFill>
-                <a:srgbClr val="660033"/>
+                <a:srgbClr val="000066"/>
               </a:solidFill>
               <a:latin typeface="微軟正黑體" pitchFamily="34" charset="-120"/>
               <a:ea typeface="微軟正黑體" pitchFamily="34" charset="-120"/>
@@ -3530,40 +3787,93 @@
               <a:buNone/>
             </a:pPr>
             <a:r>
-              <a:rPr lang="zh-TW" altLang="en-US" sz="5400" b="1" dirty="0">
+              <a:rPr lang="zh-TW" altLang="en-US" sz="6400" b="1" dirty="0">
                 <a:solidFill>
-                  <a:srgbClr val="660033"/>
+                  <a:srgbClr val="000066"/>
                 </a:solidFill>
                 <a:latin typeface="微軟正黑體" pitchFamily="34" charset="-120"/>
                 <a:ea typeface="微軟正黑體" pitchFamily="34" charset="-120"/>
               </a:rPr>
               <a:t>報好消息宣告祢的名</a:t>
             </a:r>
-            <a:endParaRPr lang="en-US" altLang="zh-TW" sz="5400" b="1" dirty="0">
+            <a:endParaRPr lang="en-US" altLang="zh-TW" sz="6400" b="1" dirty="0">
               <a:solidFill>
-                <a:srgbClr val="660033"/>
+                <a:srgbClr val="000066"/>
               </a:solidFill>
               <a:latin typeface="微軟正黑體" pitchFamily="34" charset="-120"/>
               <a:ea typeface="微軟正黑體" pitchFamily="34" charset="-120"/>
             </a:endParaRPr>
           </a:p>
+        </p:txBody>
+      </p:sp>
+    </p:spTree>
+    <p:extLst>
+      <p:ext uri="{BB962C8B-B14F-4D97-AF65-F5344CB8AC3E}">
+        <p14:creationId xmlns:p14="http://schemas.microsoft.com/office/powerpoint/2010/main" val="2334712732"/>
+      </p:ext>
+    </p:extLst>
+  </p:cSld>
+  <p:clrMapOvr>
+    <a:masterClrMapping/>
+  </p:clrMapOvr>
+</p:sld>
+</file>
+
+<file path=ppt/slides/slide9.xml><?xml version="1.0" encoding="utf-8"?>
+<p:sld xmlns:a="http://schemas.openxmlformats.org/drawingml/2006/main" xmlns:r="http://schemas.openxmlformats.org/officeDocument/2006/relationships" xmlns:p="http://schemas.openxmlformats.org/presentationml/2006/main">
+  <p:cSld>
+    <p:spTree>
+      <p:nvGrpSpPr>
+        <p:cNvPr id="1" name=""/>
+        <p:cNvGrpSpPr/>
+        <p:nvPr/>
+      </p:nvGrpSpPr>
+      <p:grpSpPr>
+        <a:xfrm>
+          <a:off x="0" y="0"/>
+          <a:ext cx="0" cy="0"/>
+          <a:chOff x="0" y="0"/>
+          <a:chExt cx="0" cy="0"/>
+        </a:xfrm>
+      </p:grpSpPr>
+      <p:sp>
+        <p:nvSpPr>
+          <p:cNvPr id="5" name="內容版面配置區 4"/>
+          <p:cNvSpPr>
+            <a:spLocks noGrp="1"/>
+          </p:cNvSpPr>
+          <p:nvPr>
+            <p:ph idx="1"/>
+          </p:nvPr>
+        </p:nvSpPr>
+        <p:spPr>
+          <a:xfrm>
+            <a:off x="0" y="2084851"/>
+            <a:ext cx="12192000" cy="2404863"/>
+          </a:xfrm>
+        </p:spPr>
+        <p:txBody>
+          <a:bodyPr anchor="ctr">
+            <a:normAutofit/>
+          </a:bodyPr>
+          <a:lstStyle/>
           <a:p>
             <a:pPr algn="ctr">
               <a:buNone/>
             </a:pPr>
             <a:r>
-              <a:rPr lang="zh-TW" altLang="en-US" sz="5400" b="1" dirty="0">
+              <a:rPr lang="zh-TW" altLang="en-US" sz="6400" b="1" dirty="0">
                 <a:solidFill>
-                  <a:srgbClr val="660033"/>
+                  <a:srgbClr val="000066"/>
                 </a:solidFill>
                 <a:latin typeface="微軟正黑體" pitchFamily="34" charset="-120"/>
                 <a:ea typeface="微軟正黑體" pitchFamily="34" charset="-120"/>
               </a:rPr>
               <a:t>高舉得勝的旌旗</a:t>
             </a:r>
-            <a:endParaRPr lang="en-US" altLang="zh-TW" sz="5400" b="1" dirty="0">
+            <a:endParaRPr lang="en-US" altLang="zh-TW" sz="6400" b="1" dirty="0">
               <a:solidFill>
-                <a:srgbClr val="660033"/>
+                <a:srgbClr val="000066"/>
               </a:solidFill>
               <a:latin typeface="微軟正黑體" pitchFamily="34" charset="-120"/>
               <a:ea typeface="微軟正黑體" pitchFamily="34" charset="-120"/>
@@ -3574,18 +3884,18 @@
               <a:buNone/>
             </a:pPr>
             <a:r>
-              <a:rPr lang="zh-TW" altLang="en-US" sz="5400" b="1" dirty="0">
+              <a:rPr lang="zh-TW" altLang="en-US" sz="6400" b="1" dirty="0">
                 <a:solidFill>
-                  <a:srgbClr val="660033"/>
+                  <a:srgbClr val="000066"/>
                 </a:solidFill>
                 <a:latin typeface="微軟正黑體" pitchFamily="34" charset="-120"/>
                 <a:ea typeface="微軟正黑體" pitchFamily="34" charset="-120"/>
               </a:rPr>
-              <a:t>我們稱謝祢　祢是我神</a:t>
-            </a:r>
-            <a:endParaRPr lang="zh-TW" altLang="en-US" sz="5400" b="1" dirty="0">
+              <a:t>我們稱謝祢  祢是我神</a:t>
+            </a:r>
+            <a:endParaRPr lang="zh-TW" altLang="en-US" sz="6400" b="1" dirty="0">
               <a:solidFill>
-                <a:srgbClr val="660033"/>
+                <a:srgbClr val="000066"/>
               </a:solidFill>
               <a:latin typeface="微軟正黑體" pitchFamily="34" charset="-120"/>
               <a:ea typeface="微軟正黑體" pitchFamily="34" charset="-120"/>
@@ -3594,6 +3904,11 @@
         </p:txBody>
       </p:sp>
     </p:spTree>
+    <p:extLst>
+      <p:ext uri="{BB962C8B-B14F-4D97-AF65-F5344CB8AC3E}">
+        <p14:creationId xmlns:p14="http://schemas.microsoft.com/office/powerpoint/2010/main" val="3198006081"/>
+      </p:ext>
+    </p:extLst>
   </p:cSld>
   <p:clrMapOvr>
     <a:masterClrMapping/>

--- a/這是耶和華所定日子(崇拜版).pptx
+++ b/這是耶和華所定日子(崇拜版).pptx
@@ -312,7 +312,7 @@
           <a:p>
             <a:fld id="{A3BB3220-857D-4A62-B48C-0094D705FBD3}" type="datetimeFigureOut">
               <a:rPr lang="zh-TW" altLang="en-US" smtClean="0"/>
-              <a:t>2020/10/16</a:t>
+              <a:t>2022/9/17</a:t>
             </a:fld>
             <a:endParaRPr lang="zh-TW" altLang="en-US"/>
           </a:p>
@@ -477,7 +477,7 @@
           <a:p>
             <a:fld id="{A3BB3220-857D-4A62-B48C-0094D705FBD3}" type="datetimeFigureOut">
               <a:rPr lang="zh-TW" altLang="en-US" smtClean="0"/>
-              <a:t>2020/10/16</a:t>
+              <a:t>2022/9/17</a:t>
             </a:fld>
             <a:endParaRPr lang="zh-TW" altLang="en-US"/>
           </a:p>
@@ -652,7 +652,7 @@
           <a:p>
             <a:fld id="{A3BB3220-857D-4A62-B48C-0094D705FBD3}" type="datetimeFigureOut">
               <a:rPr lang="zh-TW" altLang="en-US" smtClean="0"/>
-              <a:t>2020/10/16</a:t>
+              <a:t>2022/9/17</a:t>
             </a:fld>
             <a:endParaRPr lang="zh-TW" altLang="en-US"/>
           </a:p>
@@ -817,7 +817,7 @@
           <a:p>
             <a:fld id="{A3BB3220-857D-4A62-B48C-0094D705FBD3}" type="datetimeFigureOut">
               <a:rPr lang="zh-TW" altLang="en-US" smtClean="0"/>
-              <a:t>2020/10/16</a:t>
+              <a:t>2022/9/17</a:t>
             </a:fld>
             <a:endParaRPr lang="zh-TW" altLang="en-US"/>
           </a:p>
@@ -1058,7 +1058,7 @@
           <a:p>
             <a:fld id="{A3BB3220-857D-4A62-B48C-0094D705FBD3}" type="datetimeFigureOut">
               <a:rPr lang="zh-TW" altLang="en-US" smtClean="0"/>
-              <a:t>2020/10/16</a:t>
+              <a:t>2022/9/17</a:t>
             </a:fld>
             <a:endParaRPr lang="zh-TW" altLang="en-US"/>
           </a:p>
@@ -1341,7 +1341,7 @@
           <a:p>
             <a:fld id="{A3BB3220-857D-4A62-B48C-0094D705FBD3}" type="datetimeFigureOut">
               <a:rPr lang="zh-TW" altLang="en-US" smtClean="0"/>
-              <a:t>2020/10/16</a:t>
+              <a:t>2022/9/17</a:t>
             </a:fld>
             <a:endParaRPr lang="zh-TW" altLang="en-US"/>
           </a:p>
@@ -1758,7 +1758,7 @@
           <a:p>
             <a:fld id="{A3BB3220-857D-4A62-B48C-0094D705FBD3}" type="datetimeFigureOut">
               <a:rPr lang="zh-TW" altLang="en-US" smtClean="0"/>
-              <a:t>2020/10/16</a:t>
+              <a:t>2022/9/17</a:t>
             </a:fld>
             <a:endParaRPr lang="zh-TW" altLang="en-US"/>
           </a:p>
@@ -1871,7 +1871,7 @@
           <a:p>
             <a:fld id="{A3BB3220-857D-4A62-B48C-0094D705FBD3}" type="datetimeFigureOut">
               <a:rPr lang="zh-TW" altLang="en-US" smtClean="0"/>
-              <a:t>2020/10/16</a:t>
+              <a:t>2022/9/17</a:t>
             </a:fld>
             <a:endParaRPr lang="zh-TW" altLang="en-US"/>
           </a:p>
@@ -1961,7 +1961,7 @@
           <a:p>
             <a:fld id="{A3BB3220-857D-4A62-B48C-0094D705FBD3}" type="datetimeFigureOut">
               <a:rPr lang="zh-TW" altLang="en-US" smtClean="0"/>
-              <a:t>2020/10/16</a:t>
+              <a:t>2022/9/17</a:t>
             </a:fld>
             <a:endParaRPr lang="zh-TW" altLang="en-US"/>
           </a:p>
@@ -2233,7 +2233,7 @@
           <a:p>
             <a:fld id="{A3BB3220-857D-4A62-B48C-0094D705FBD3}" type="datetimeFigureOut">
               <a:rPr lang="zh-TW" altLang="en-US" smtClean="0"/>
-              <a:t>2020/10/16</a:t>
+              <a:t>2022/9/17</a:t>
             </a:fld>
             <a:endParaRPr lang="zh-TW" altLang="en-US"/>
           </a:p>
@@ -2485,7 +2485,7 @@
           <a:p>
             <a:fld id="{A3BB3220-857D-4A62-B48C-0094D705FBD3}" type="datetimeFigureOut">
               <a:rPr lang="zh-TW" altLang="en-US" smtClean="0"/>
-              <a:t>2020/10/16</a:t>
+              <a:t>2022/9/17</a:t>
             </a:fld>
             <a:endParaRPr lang="zh-TW" altLang="en-US"/>
           </a:p>
@@ -2698,7 +2698,7 @@
           <a:p>
             <a:fld id="{A3BB3220-857D-4A62-B48C-0094D705FBD3}" type="datetimeFigureOut">
               <a:rPr lang="zh-TW" altLang="en-US" smtClean="0"/>
-              <a:t>2020/10/16</a:t>
+              <a:t>2022/9/17</a:t>
             </a:fld>
             <a:endParaRPr lang="zh-TW" altLang="en-US"/>
           </a:p>
@@ -3105,24 +3105,7 @@
                 <a:latin typeface="微軟正黑體" pitchFamily="34" charset="-120"/>
                 <a:ea typeface="微軟正黑體" pitchFamily="34" charset="-120"/>
               </a:rPr>
-              <a:t>這</a:t>
-            </a:r>
-            <a:r>
-              <a:rPr lang="zh-TW" altLang="en-US" sz="7200" b="1" i="1" dirty="0">
-                <a:solidFill>
-                  <a:srgbClr val="000066"/>
-                </a:solidFill>
-                <a:effectLst>
-                  <a:outerShdw blurRad="38100" dist="38100" dir="2700000" algn="tl">
-                    <a:srgbClr val="000000">
-                      <a:alpha val="43137"/>
-                    </a:srgbClr>
-                  </a:outerShdw>
-                </a:effectLst>
-                <a:latin typeface="微軟正黑體" pitchFamily="34" charset="-120"/>
-                <a:ea typeface="微軟正黑體" pitchFamily="34" charset="-120"/>
-              </a:rPr>
-              <a:t>是耶和華所定日子</a:t>
+              <a:t>這是耶和華所定日子</a:t>
             </a:r>
           </a:p>
         </p:txBody>
@@ -3224,6 +3207,68 @@
           </a:p>
         </p:txBody>
       </p:sp>
+      <p:sp>
+        <p:nvSpPr>
+          <p:cNvPr id="3" name="TextBox 2"/>
+          <p:cNvSpPr txBox="1"/>
+          <p:nvPr/>
+        </p:nvSpPr>
+        <p:spPr>
+          <a:xfrm>
+            <a:off x="0" y="5157192"/>
+            <a:ext cx="12192000" cy="769441"/>
+          </a:xfrm>
+          <a:prstGeom prst="rect">
+            <a:avLst/>
+          </a:prstGeom>
+          <a:noFill/>
+        </p:spPr>
+        <p:txBody>
+          <a:bodyPr wrap="square" rtlCol="0">
+            <a:spAutoFit/>
+          </a:bodyPr>
+          <a:lstStyle/>
+          <a:p>
+            <a:pPr algn="ctr"/>
+            <a:r>
+              <a:rPr lang="en-US" sz="4400" b="1" dirty="0" smtClean="0">
+                <a:solidFill>
+                  <a:srgbClr val="000066"/>
+                </a:solidFill>
+                <a:latin typeface="Microsoft JhengHei" panose="020B0604030504040204" pitchFamily="34" charset="-120"/>
+                <a:ea typeface="Microsoft JhengHei" panose="020B0604030504040204" pitchFamily="34" charset="-120"/>
+              </a:rPr>
+              <a:t>( </a:t>
+            </a:r>
+            <a:r>
+              <a:rPr lang="zh-CN" altLang="en-US" sz="4400" b="1" dirty="0" smtClean="0">
+                <a:solidFill>
+                  <a:srgbClr val="000066"/>
+                </a:solidFill>
+                <a:latin typeface="Microsoft JhengHei" panose="020B0604030504040204" pitchFamily="34" charset="-120"/>
+                <a:ea typeface="Microsoft JhengHei" panose="020B0604030504040204" pitchFamily="34" charset="-120"/>
+              </a:rPr>
+              <a:t>正</a:t>
+            </a:r>
+            <a:r>
+              <a:rPr lang="en-US" sz="4400" b="1" dirty="0" smtClean="0">
+                <a:solidFill>
+                  <a:srgbClr val="000066"/>
+                </a:solidFill>
+                <a:latin typeface="Microsoft JhengHei" panose="020B0604030504040204" pitchFamily="34" charset="-120"/>
+                <a:ea typeface="Microsoft JhengHei" panose="020B0604030504040204" pitchFamily="34" charset="-120"/>
+              </a:rPr>
+              <a:t> )</a:t>
+            </a:r>
+            <a:endParaRPr lang="vi-VN" sz="4400" b="1" dirty="0">
+              <a:solidFill>
+                <a:srgbClr val="000066"/>
+              </a:solidFill>
+              <a:ea typeface="Microsoft JhengHei" panose="020B0604030504040204" pitchFamily="34" charset="-120"/>
+            </a:endParaRPr>
+          </a:p>
+        </p:txBody>
+      </p:sp>
     </p:spTree>
     <p:extLst>
       <p:ext uri="{BB962C8B-B14F-4D97-AF65-F5344CB8AC3E}">
@@ -3321,6 +3366,68 @@
           </a:p>
         </p:txBody>
       </p:sp>
+      <p:sp>
+        <p:nvSpPr>
+          <p:cNvPr id="3" name="TextBox 2"/>
+          <p:cNvSpPr txBox="1"/>
+          <p:nvPr/>
+        </p:nvSpPr>
+        <p:spPr>
+          <a:xfrm>
+            <a:off x="0" y="5157192"/>
+            <a:ext cx="12192000" cy="769441"/>
+          </a:xfrm>
+          <a:prstGeom prst="rect">
+            <a:avLst/>
+          </a:prstGeom>
+          <a:noFill/>
+        </p:spPr>
+        <p:txBody>
+          <a:bodyPr wrap="square" rtlCol="0">
+            <a:spAutoFit/>
+          </a:bodyPr>
+          <a:lstStyle/>
+          <a:p>
+            <a:pPr algn="ctr"/>
+            <a:r>
+              <a:rPr lang="en-US" sz="4400" b="1" dirty="0" smtClean="0">
+                <a:solidFill>
+                  <a:srgbClr val="000066"/>
+                </a:solidFill>
+                <a:latin typeface="Microsoft JhengHei" panose="020B0604030504040204" pitchFamily="34" charset="-120"/>
+                <a:ea typeface="Microsoft JhengHei" panose="020B0604030504040204" pitchFamily="34" charset="-120"/>
+              </a:rPr>
+              <a:t>( </a:t>
+            </a:r>
+            <a:r>
+              <a:rPr lang="zh-CN" altLang="en-US" sz="4400" b="1" dirty="0" smtClean="0">
+                <a:solidFill>
+                  <a:srgbClr val="000066"/>
+                </a:solidFill>
+                <a:latin typeface="Microsoft JhengHei" panose="020B0604030504040204" pitchFamily="34" charset="-120"/>
+                <a:ea typeface="Microsoft JhengHei" panose="020B0604030504040204" pitchFamily="34" charset="-120"/>
+              </a:rPr>
+              <a:t>正</a:t>
+            </a:r>
+            <a:r>
+              <a:rPr lang="en-US" sz="4400" b="1" dirty="0" smtClean="0">
+                <a:solidFill>
+                  <a:srgbClr val="000066"/>
+                </a:solidFill>
+                <a:latin typeface="Microsoft JhengHei" panose="020B0604030504040204" pitchFamily="34" charset="-120"/>
+                <a:ea typeface="Microsoft JhengHei" panose="020B0604030504040204" pitchFamily="34" charset="-120"/>
+              </a:rPr>
+              <a:t> )</a:t>
+            </a:r>
+            <a:endParaRPr lang="vi-VN" sz="4400" b="1" dirty="0">
+              <a:solidFill>
+                <a:srgbClr val="000066"/>
+              </a:solidFill>
+              <a:ea typeface="Microsoft JhengHei" panose="020B0604030504040204" pitchFamily="34" charset="-120"/>
+            </a:endParaRPr>
+          </a:p>
+        </p:txBody>
+      </p:sp>
     </p:spTree>
     <p:extLst>
       <p:ext uri="{BB962C8B-B14F-4D97-AF65-F5344CB8AC3E}">
@@ -3418,6 +3525,68 @@
           </a:p>
         </p:txBody>
       </p:sp>
+      <p:sp>
+        <p:nvSpPr>
+          <p:cNvPr id="3" name="TextBox 2"/>
+          <p:cNvSpPr txBox="1"/>
+          <p:nvPr/>
+        </p:nvSpPr>
+        <p:spPr>
+          <a:xfrm>
+            <a:off x="0" y="5157192"/>
+            <a:ext cx="12192000" cy="769441"/>
+          </a:xfrm>
+          <a:prstGeom prst="rect">
+            <a:avLst/>
+          </a:prstGeom>
+          <a:noFill/>
+        </p:spPr>
+        <p:txBody>
+          <a:bodyPr wrap="square" rtlCol="0">
+            <a:spAutoFit/>
+          </a:bodyPr>
+          <a:lstStyle/>
+          <a:p>
+            <a:pPr algn="ctr"/>
+            <a:r>
+              <a:rPr lang="en-US" sz="4400" b="1" dirty="0" smtClean="0">
+                <a:solidFill>
+                  <a:srgbClr val="000066"/>
+                </a:solidFill>
+                <a:latin typeface="Microsoft JhengHei" panose="020B0604030504040204" pitchFamily="34" charset="-120"/>
+                <a:ea typeface="Microsoft JhengHei" panose="020B0604030504040204" pitchFamily="34" charset="-120"/>
+              </a:rPr>
+              <a:t>( </a:t>
+            </a:r>
+            <a:r>
+              <a:rPr lang="zh-CN" altLang="en-US" sz="4400" b="1" dirty="0" smtClean="0">
+                <a:solidFill>
+                  <a:srgbClr val="000066"/>
+                </a:solidFill>
+                <a:latin typeface="Microsoft JhengHei" panose="020B0604030504040204" pitchFamily="34" charset="-120"/>
+                <a:ea typeface="Microsoft JhengHei" panose="020B0604030504040204" pitchFamily="34" charset="-120"/>
+              </a:rPr>
+              <a:t>正</a:t>
+            </a:r>
+            <a:r>
+              <a:rPr lang="en-US" sz="4400" b="1" dirty="0" smtClean="0">
+                <a:solidFill>
+                  <a:srgbClr val="000066"/>
+                </a:solidFill>
+                <a:latin typeface="Microsoft JhengHei" panose="020B0604030504040204" pitchFamily="34" charset="-120"/>
+                <a:ea typeface="Microsoft JhengHei" panose="020B0604030504040204" pitchFamily="34" charset="-120"/>
+              </a:rPr>
+              <a:t> )</a:t>
+            </a:r>
+            <a:endParaRPr lang="vi-VN" sz="4400" b="1" dirty="0">
+              <a:solidFill>
+                <a:srgbClr val="000066"/>
+              </a:solidFill>
+              <a:ea typeface="Microsoft JhengHei" panose="020B0604030504040204" pitchFamily="34" charset="-120"/>
+            </a:endParaRPr>
+          </a:p>
+        </p:txBody>
+      </p:sp>
     </p:spTree>
     <p:extLst>
       <p:ext uri="{BB962C8B-B14F-4D97-AF65-F5344CB8AC3E}">
@@ -3515,6 +3684,68 @@
           </a:p>
         </p:txBody>
       </p:sp>
+      <p:sp>
+        <p:nvSpPr>
+          <p:cNvPr id="3" name="TextBox 2"/>
+          <p:cNvSpPr txBox="1"/>
+          <p:nvPr/>
+        </p:nvSpPr>
+        <p:spPr>
+          <a:xfrm>
+            <a:off x="0" y="5157192"/>
+            <a:ext cx="12192000" cy="769441"/>
+          </a:xfrm>
+          <a:prstGeom prst="rect">
+            <a:avLst/>
+          </a:prstGeom>
+          <a:noFill/>
+        </p:spPr>
+        <p:txBody>
+          <a:bodyPr wrap="square" rtlCol="0">
+            <a:spAutoFit/>
+          </a:bodyPr>
+          <a:lstStyle/>
+          <a:p>
+            <a:pPr algn="ctr"/>
+            <a:r>
+              <a:rPr lang="en-US" sz="4400" b="1" dirty="0" smtClean="0">
+                <a:solidFill>
+                  <a:srgbClr val="000066"/>
+                </a:solidFill>
+                <a:latin typeface="Microsoft JhengHei" panose="020B0604030504040204" pitchFamily="34" charset="-120"/>
+                <a:ea typeface="Microsoft JhengHei" panose="020B0604030504040204" pitchFamily="34" charset="-120"/>
+              </a:rPr>
+              <a:t>( </a:t>
+            </a:r>
+            <a:r>
+              <a:rPr lang="zh-CN" altLang="en-US" sz="4400" b="1" dirty="0" smtClean="0">
+                <a:solidFill>
+                  <a:srgbClr val="000066"/>
+                </a:solidFill>
+                <a:latin typeface="Microsoft JhengHei" panose="020B0604030504040204" pitchFamily="34" charset="-120"/>
+                <a:ea typeface="Microsoft JhengHei" panose="020B0604030504040204" pitchFamily="34" charset="-120"/>
+              </a:rPr>
+              <a:t>正</a:t>
+            </a:r>
+            <a:r>
+              <a:rPr lang="en-US" sz="4400" b="1" dirty="0" smtClean="0">
+                <a:solidFill>
+                  <a:srgbClr val="000066"/>
+                </a:solidFill>
+                <a:latin typeface="Microsoft JhengHei" panose="020B0604030504040204" pitchFamily="34" charset="-120"/>
+                <a:ea typeface="Microsoft JhengHei" panose="020B0604030504040204" pitchFamily="34" charset="-120"/>
+              </a:rPr>
+              <a:t> )</a:t>
+            </a:r>
+            <a:endParaRPr lang="vi-VN" sz="4400" b="1" dirty="0">
+              <a:solidFill>
+                <a:srgbClr val="000066"/>
+              </a:solidFill>
+              <a:ea typeface="Microsoft JhengHei" panose="020B0604030504040204" pitchFamily="34" charset="-120"/>
+            </a:endParaRPr>
+          </a:p>
+        </p:txBody>
+      </p:sp>
     </p:spTree>
     <p:extLst>
       <p:ext uri="{BB962C8B-B14F-4D97-AF65-F5344CB8AC3E}">
@@ -3612,6 +3843,78 @@
           </a:p>
         </p:txBody>
       </p:sp>
+      <p:sp>
+        <p:nvSpPr>
+          <p:cNvPr id="3" name="TextBox 2"/>
+          <p:cNvSpPr txBox="1"/>
+          <p:nvPr/>
+        </p:nvSpPr>
+        <p:spPr>
+          <a:xfrm>
+            <a:off x="0" y="5157192"/>
+            <a:ext cx="12192000" cy="769441"/>
+          </a:xfrm>
+          <a:prstGeom prst="rect">
+            <a:avLst/>
+          </a:prstGeom>
+          <a:noFill/>
+        </p:spPr>
+        <p:txBody>
+          <a:bodyPr wrap="square" rtlCol="0">
+            <a:spAutoFit/>
+          </a:bodyPr>
+          <a:lstStyle/>
+          <a:p>
+            <a:pPr algn="ctr"/>
+            <a:r>
+              <a:rPr lang="en-US" sz="4400" b="1" dirty="0" smtClean="0">
+                <a:solidFill>
+                  <a:srgbClr val="000066"/>
+                </a:solidFill>
+                <a:latin typeface="Microsoft JhengHei" panose="020B0604030504040204" pitchFamily="34" charset="-120"/>
+                <a:ea typeface="Microsoft JhengHei" panose="020B0604030504040204" pitchFamily="34" charset="-120"/>
+              </a:rPr>
+              <a:t>( </a:t>
+            </a:r>
+            <a:r>
+              <a:rPr lang="zh-CN" altLang="en-US" sz="4400" b="1" dirty="0" smtClean="0">
+                <a:solidFill>
+                  <a:srgbClr val="000066"/>
+                </a:solidFill>
+                <a:latin typeface="Microsoft JhengHei" panose="020B0604030504040204" pitchFamily="34" charset="-120"/>
+                <a:ea typeface="Microsoft JhengHei" panose="020B0604030504040204" pitchFamily="34" charset="-120"/>
+              </a:rPr>
+              <a:t>副</a:t>
+            </a:r>
+            <a:r>
+              <a:rPr lang="en-US" sz="4400" b="1" dirty="0" smtClean="0">
+                <a:solidFill>
+                  <a:srgbClr val="000066"/>
+                </a:solidFill>
+                <a:latin typeface="Microsoft JhengHei" panose="020B0604030504040204" pitchFamily="34" charset="-120"/>
+                <a:ea typeface="Microsoft JhengHei" panose="020B0604030504040204" pitchFamily="34" charset="-120"/>
+              </a:rPr>
+              <a:t> </a:t>
+            </a:r>
+            <a:r>
+              <a:rPr lang="en-US" sz="4400" b="1" dirty="0" smtClean="0">
+                <a:solidFill>
+                  <a:srgbClr val="000066"/>
+                </a:solidFill>
+                <a:latin typeface="Microsoft JhengHei" panose="020B0604030504040204" pitchFamily="34" charset="-120"/>
+                <a:ea typeface="Microsoft JhengHei" panose="020B0604030504040204" pitchFamily="34" charset="-120"/>
+              </a:rPr>
+              <a:t>)</a:t>
+            </a:r>
+            <a:endParaRPr lang="vi-VN" sz="4400" b="1" dirty="0">
+              <a:solidFill>
+                <a:srgbClr val="000066"/>
+              </a:solidFill>
+              <a:ea typeface="Microsoft JhengHei" panose="020B0604030504040204" pitchFamily="34" charset="-120"/>
+            </a:endParaRPr>
+          </a:p>
+        </p:txBody>
+      </p:sp>
     </p:spTree>
     <p:extLst>
       <p:ext uri="{BB962C8B-B14F-4D97-AF65-F5344CB8AC3E}">
@@ -3699,12 +4002,77 @@
               </a:rPr>
               <a:t>又是我的拯救</a:t>
             </a:r>
-            <a:endParaRPr lang="zh-TW" altLang="en-US" sz="6400" b="1" dirty="0">
+          </a:p>
+        </p:txBody>
+      </p:sp>
+      <p:sp>
+        <p:nvSpPr>
+          <p:cNvPr id="3" name="TextBox 2"/>
+          <p:cNvSpPr txBox="1"/>
+          <p:nvPr/>
+        </p:nvSpPr>
+        <p:spPr>
+          <a:xfrm>
+            <a:off x="0" y="5157192"/>
+            <a:ext cx="12192000" cy="769441"/>
+          </a:xfrm>
+          <a:prstGeom prst="rect">
+            <a:avLst/>
+          </a:prstGeom>
+          <a:noFill/>
+        </p:spPr>
+        <p:txBody>
+          <a:bodyPr wrap="square" rtlCol="0">
+            <a:spAutoFit/>
+          </a:bodyPr>
+          <a:lstStyle/>
+          <a:p>
+            <a:pPr algn="ctr"/>
+            <a:r>
+              <a:rPr lang="en-US" sz="4400" b="1" dirty="0" smtClean="0">
+                <a:solidFill>
+                  <a:srgbClr val="000066"/>
+                </a:solidFill>
+                <a:latin typeface="Microsoft JhengHei" panose="020B0604030504040204" pitchFamily="34" charset="-120"/>
+                <a:ea typeface="Microsoft JhengHei" panose="020B0604030504040204" pitchFamily="34" charset="-120"/>
+              </a:rPr>
+              <a:t>( </a:t>
+            </a:r>
+            <a:r>
+              <a:rPr lang="zh-CN" altLang="en-US" sz="4400" b="1" dirty="0" smtClean="0">
+                <a:solidFill>
+                  <a:srgbClr val="000066"/>
+                </a:solidFill>
+                <a:latin typeface="Microsoft JhengHei" panose="020B0604030504040204" pitchFamily="34" charset="-120"/>
+                <a:ea typeface="Microsoft JhengHei" panose="020B0604030504040204" pitchFamily="34" charset="-120"/>
+              </a:rPr>
+              <a:t>副</a:t>
+            </a:r>
+            <a:r>
+              <a:rPr lang="en-US" sz="4400" b="1" dirty="0" smtClean="0">
+                <a:solidFill>
+                  <a:srgbClr val="000066"/>
+                </a:solidFill>
+                <a:latin typeface="Microsoft JhengHei" panose="020B0604030504040204" pitchFamily="34" charset="-120"/>
+                <a:ea typeface="Microsoft JhengHei" panose="020B0604030504040204" pitchFamily="34" charset="-120"/>
+              </a:rPr>
+              <a:t> </a:t>
+            </a:r>
+            <a:r>
+              <a:rPr lang="en-US" sz="4400" b="1" dirty="0" smtClean="0">
+                <a:solidFill>
+                  <a:srgbClr val="000066"/>
+                </a:solidFill>
+                <a:latin typeface="Microsoft JhengHei" panose="020B0604030504040204" pitchFamily="34" charset="-120"/>
+                <a:ea typeface="Microsoft JhengHei" panose="020B0604030504040204" pitchFamily="34" charset="-120"/>
+              </a:rPr>
+              <a:t>)</a:t>
+            </a:r>
+            <a:endParaRPr lang="vi-VN" sz="4400" b="1" dirty="0">
               <a:solidFill>
                 <a:srgbClr val="000066"/>
               </a:solidFill>
-              <a:latin typeface="微軟正黑體" pitchFamily="34" charset="-120"/>
-              <a:ea typeface="微軟正黑體" pitchFamily="34" charset="-120"/>
+              <a:ea typeface="Microsoft JhengHei" panose="020B0604030504040204" pitchFamily="34" charset="-120"/>
             </a:endParaRPr>
           </a:p>
         </p:txBody>
@@ -3806,6 +4174,78 @@
           </a:p>
         </p:txBody>
       </p:sp>
+      <p:sp>
+        <p:nvSpPr>
+          <p:cNvPr id="3" name="TextBox 2"/>
+          <p:cNvSpPr txBox="1"/>
+          <p:nvPr/>
+        </p:nvSpPr>
+        <p:spPr>
+          <a:xfrm>
+            <a:off x="0" y="5157192"/>
+            <a:ext cx="12192000" cy="769441"/>
+          </a:xfrm>
+          <a:prstGeom prst="rect">
+            <a:avLst/>
+          </a:prstGeom>
+          <a:noFill/>
+        </p:spPr>
+        <p:txBody>
+          <a:bodyPr wrap="square" rtlCol="0">
+            <a:spAutoFit/>
+          </a:bodyPr>
+          <a:lstStyle/>
+          <a:p>
+            <a:pPr algn="ctr"/>
+            <a:r>
+              <a:rPr lang="en-US" sz="4400" b="1" dirty="0" smtClean="0">
+                <a:solidFill>
+                  <a:srgbClr val="000066"/>
+                </a:solidFill>
+                <a:latin typeface="Microsoft JhengHei" panose="020B0604030504040204" pitchFamily="34" charset="-120"/>
+                <a:ea typeface="Microsoft JhengHei" panose="020B0604030504040204" pitchFamily="34" charset="-120"/>
+              </a:rPr>
+              <a:t>( </a:t>
+            </a:r>
+            <a:r>
+              <a:rPr lang="zh-CN" altLang="en-US" sz="4400" b="1" dirty="0" smtClean="0">
+                <a:solidFill>
+                  <a:srgbClr val="000066"/>
+                </a:solidFill>
+                <a:latin typeface="Microsoft JhengHei" panose="020B0604030504040204" pitchFamily="34" charset="-120"/>
+                <a:ea typeface="Microsoft JhengHei" panose="020B0604030504040204" pitchFamily="34" charset="-120"/>
+              </a:rPr>
+              <a:t>副</a:t>
+            </a:r>
+            <a:r>
+              <a:rPr lang="en-US" sz="4400" b="1" dirty="0" smtClean="0">
+                <a:solidFill>
+                  <a:srgbClr val="000066"/>
+                </a:solidFill>
+                <a:latin typeface="Microsoft JhengHei" panose="020B0604030504040204" pitchFamily="34" charset="-120"/>
+                <a:ea typeface="Microsoft JhengHei" panose="020B0604030504040204" pitchFamily="34" charset="-120"/>
+              </a:rPr>
+              <a:t> </a:t>
+            </a:r>
+            <a:r>
+              <a:rPr lang="en-US" sz="4400" b="1" dirty="0" smtClean="0">
+                <a:solidFill>
+                  <a:srgbClr val="000066"/>
+                </a:solidFill>
+                <a:latin typeface="Microsoft JhengHei" panose="020B0604030504040204" pitchFamily="34" charset="-120"/>
+                <a:ea typeface="Microsoft JhengHei" panose="020B0604030504040204" pitchFamily="34" charset="-120"/>
+              </a:rPr>
+              <a:t>)</a:t>
+            </a:r>
+            <a:endParaRPr lang="vi-VN" sz="4400" b="1" dirty="0">
+              <a:solidFill>
+                <a:srgbClr val="000066"/>
+              </a:solidFill>
+              <a:ea typeface="Microsoft JhengHei" panose="020B0604030504040204" pitchFamily="34" charset="-120"/>
+            </a:endParaRPr>
+          </a:p>
+        </p:txBody>
+      </p:sp>
     </p:spTree>
     <p:extLst>
       <p:ext uri="{BB962C8B-B14F-4D97-AF65-F5344CB8AC3E}">
@@ -3893,12 +4333,77 @@
               </a:rPr>
               <a:t>我們稱謝祢  祢是我神</a:t>
             </a:r>
-            <a:endParaRPr lang="zh-TW" altLang="en-US" sz="6400" b="1" dirty="0">
+          </a:p>
+        </p:txBody>
+      </p:sp>
+      <p:sp>
+        <p:nvSpPr>
+          <p:cNvPr id="3" name="TextBox 2"/>
+          <p:cNvSpPr txBox="1"/>
+          <p:nvPr/>
+        </p:nvSpPr>
+        <p:spPr>
+          <a:xfrm>
+            <a:off x="0" y="5157192"/>
+            <a:ext cx="12192000" cy="769441"/>
+          </a:xfrm>
+          <a:prstGeom prst="rect">
+            <a:avLst/>
+          </a:prstGeom>
+          <a:noFill/>
+        </p:spPr>
+        <p:txBody>
+          <a:bodyPr wrap="square" rtlCol="0">
+            <a:spAutoFit/>
+          </a:bodyPr>
+          <a:lstStyle/>
+          <a:p>
+            <a:pPr algn="ctr"/>
+            <a:r>
+              <a:rPr lang="en-US" sz="4400" b="1" dirty="0" smtClean="0">
+                <a:solidFill>
+                  <a:srgbClr val="000066"/>
+                </a:solidFill>
+                <a:latin typeface="Microsoft JhengHei" panose="020B0604030504040204" pitchFamily="34" charset="-120"/>
+                <a:ea typeface="Microsoft JhengHei" panose="020B0604030504040204" pitchFamily="34" charset="-120"/>
+              </a:rPr>
+              <a:t>( </a:t>
+            </a:r>
+            <a:r>
+              <a:rPr lang="zh-CN" altLang="en-US" sz="4400" b="1" dirty="0" smtClean="0">
+                <a:solidFill>
+                  <a:srgbClr val="000066"/>
+                </a:solidFill>
+                <a:latin typeface="Microsoft JhengHei" panose="020B0604030504040204" pitchFamily="34" charset="-120"/>
+                <a:ea typeface="Microsoft JhengHei" panose="020B0604030504040204" pitchFamily="34" charset="-120"/>
+              </a:rPr>
+              <a:t>副</a:t>
+            </a:r>
+            <a:r>
+              <a:rPr lang="en-US" sz="4400" b="1" dirty="0" smtClean="0">
+                <a:solidFill>
+                  <a:srgbClr val="000066"/>
+                </a:solidFill>
+                <a:latin typeface="Microsoft JhengHei" panose="020B0604030504040204" pitchFamily="34" charset="-120"/>
+                <a:ea typeface="Microsoft JhengHei" panose="020B0604030504040204" pitchFamily="34" charset="-120"/>
+              </a:rPr>
+              <a:t> </a:t>
+            </a:r>
+            <a:r>
+              <a:rPr lang="en-US" sz="4400" b="1" dirty="0" smtClean="0">
+                <a:solidFill>
+                  <a:srgbClr val="000066"/>
+                </a:solidFill>
+                <a:latin typeface="Microsoft JhengHei" panose="020B0604030504040204" pitchFamily="34" charset="-120"/>
+                <a:ea typeface="Microsoft JhengHei" panose="020B0604030504040204" pitchFamily="34" charset="-120"/>
+              </a:rPr>
+              <a:t>)</a:t>
+            </a:r>
+            <a:endParaRPr lang="vi-VN" sz="4400" b="1" dirty="0">
               <a:solidFill>
                 <a:srgbClr val="000066"/>
               </a:solidFill>
-              <a:latin typeface="微軟正黑體" pitchFamily="34" charset="-120"/>
-              <a:ea typeface="微軟正黑體" pitchFamily="34" charset="-120"/>
+              <a:ea typeface="Microsoft JhengHei" panose="020B0604030504040204" pitchFamily="34" charset="-120"/>
             </a:endParaRPr>
           </a:p>
         </p:txBody>
